--- a/Lecture Slides/VideoLectureSlides/3.5.pptx
+++ b/Lecture Slides/VideoLectureSlides/3.5.pptx
@@ -5,7 +5,7 @@
     <p:sldMasterId id="2147483660" r:id="rId4"/>
   </p:sldMasterIdLst>
   <p:notesMasterIdLst>
-    <p:notesMasterId r:id="rId13"/>
+    <p:notesMasterId r:id="rId14"/>
   </p:notesMasterIdLst>
   <p:sldIdLst>
     <p:sldId id="256" r:id="rId5"/>
@@ -15,7 +15,8 @@
     <p:sldId id="307" r:id="rId9"/>
     <p:sldId id="308" r:id="rId10"/>
     <p:sldId id="287" r:id="rId11"/>
-    <p:sldId id="309" r:id="rId12"/>
+    <p:sldId id="310" r:id="rId12"/>
+    <p:sldId id="311" r:id="rId13"/>
   </p:sldIdLst>
   <p:sldSz cx="9144000" cy="6858000" type="screen4x3"/>
   <p:notesSz cx="6858000" cy="9144000"/>
@@ -157,6 +158,30 @@
 
 <file path=ppt/changesInfos/changesInfo1.xml><?xml version="1.0" encoding="utf-8"?>
 <pc:chgInfo xmlns:a="http://schemas.openxmlformats.org/drawingml/2006/main" xmlns:r="http://schemas.openxmlformats.org/officeDocument/2006/relationships" xmlns:ac="http://schemas.microsoft.com/office/drawing/2013/main/command" xmlns:pc="http://schemas.microsoft.com/office/powerpoint/2013/main/command">
+  <pc:docChgLst>
+    <pc:chgData name="Moore, Jacob Preston" userId="fdd3fd0f-c483-48c9-988d-7deb216763fd" providerId="ADAL" clId="{4D0F4159-FD1A-4016-9965-8015914BE737}"/>
+    <pc:docChg chg="modSld">
+      <pc:chgData name="Moore, Jacob Preston" userId="fdd3fd0f-c483-48c9-988d-7deb216763fd" providerId="ADAL" clId="{4D0F4159-FD1A-4016-9965-8015914BE737}" dt="2020-09-17T19:42:01.673" v="0" actId="20577"/>
+      <pc:docMkLst>
+        <pc:docMk/>
+      </pc:docMkLst>
+      <pc:sldChg chg="modSp">
+        <pc:chgData name="Moore, Jacob Preston" userId="fdd3fd0f-c483-48c9-988d-7deb216763fd" providerId="ADAL" clId="{4D0F4159-FD1A-4016-9965-8015914BE737}" dt="2020-09-17T19:42:01.673" v="0" actId="20577"/>
+        <pc:sldMkLst>
+          <pc:docMk/>
+          <pc:sldMk cId="2638245466" sldId="308"/>
+        </pc:sldMkLst>
+        <pc:spChg chg="mod">
+          <ac:chgData name="Moore, Jacob Preston" userId="fdd3fd0f-c483-48c9-988d-7deb216763fd" providerId="ADAL" clId="{4D0F4159-FD1A-4016-9965-8015914BE737}" dt="2020-09-17T19:42:01.673" v="0" actId="20577"/>
+          <ac:spMkLst>
+            <pc:docMk/>
+            <pc:sldMk cId="2638245466" sldId="308"/>
+            <ac:spMk id="3" creationId="{00000000-0000-0000-0000-000000000000}"/>
+          </ac:spMkLst>
+        </pc:spChg>
+      </pc:sldChg>
+    </pc:docChg>
+  </pc:docChgLst>
   <pc:docChgLst>
     <pc:chgData name="Moore, Jacob Preston" userId="fdd3fd0f-c483-48c9-988d-7deb216763fd" providerId="ADAL" clId="{F1075BC4-95F3-4415-82DA-8B4A57A72EE2}"/>
     <pc:docChg chg="custSel addSld delSld modSld">
@@ -303,30 +328,6 @@
       </pc:sldChg>
     </pc:docChg>
   </pc:docChgLst>
-  <pc:docChgLst>
-    <pc:chgData name="Moore, Jacob Preston" userId="fdd3fd0f-c483-48c9-988d-7deb216763fd" providerId="ADAL" clId="{4D0F4159-FD1A-4016-9965-8015914BE737}"/>
-    <pc:docChg chg="modSld">
-      <pc:chgData name="Moore, Jacob Preston" userId="fdd3fd0f-c483-48c9-988d-7deb216763fd" providerId="ADAL" clId="{4D0F4159-FD1A-4016-9965-8015914BE737}" dt="2020-09-17T19:42:01.673" v="0" actId="20577"/>
-      <pc:docMkLst>
-        <pc:docMk/>
-      </pc:docMkLst>
-      <pc:sldChg chg="modSp">
-        <pc:chgData name="Moore, Jacob Preston" userId="fdd3fd0f-c483-48c9-988d-7deb216763fd" providerId="ADAL" clId="{4D0F4159-FD1A-4016-9965-8015914BE737}" dt="2020-09-17T19:42:01.673" v="0" actId="20577"/>
-        <pc:sldMkLst>
-          <pc:docMk/>
-          <pc:sldMk cId="2638245466" sldId="308"/>
-        </pc:sldMkLst>
-        <pc:spChg chg="mod">
-          <ac:chgData name="Moore, Jacob Preston" userId="fdd3fd0f-c483-48c9-988d-7deb216763fd" providerId="ADAL" clId="{4D0F4159-FD1A-4016-9965-8015914BE737}" dt="2020-09-17T19:42:01.673" v="0" actId="20577"/>
-          <ac:spMkLst>
-            <pc:docMk/>
-            <pc:sldMk cId="2638245466" sldId="308"/>
-            <ac:spMk id="3" creationId="{00000000-0000-0000-0000-000000000000}"/>
-          </ac:spMkLst>
-        </pc:spChg>
-      </pc:sldChg>
-    </pc:docChg>
-  </pc:docChgLst>
 </pc:chgInfo>
 </file>
 
@@ -412,7 +413,7 @@
           <a:p>
             <a:fld id="{1AA1AB63-216F-4D5B-8811-CCB935E98D4A}" type="datetimeFigureOut">
               <a:rPr lang="en-US" smtClean="0"/>
-              <a:t>9/17/2020</a:t>
+              <a:t>9/2/2021</a:t>
             </a:fld>
             <a:endParaRPr lang="en-US"/>
           </a:p>
@@ -6244,8 +6245,8 @@
           </a:p>
         </p:txBody>
       </p:sp>
-      <mc:AlternateContent xmlns:mc="http://schemas.openxmlformats.org/markup-compatibility/2006">
-        <mc:Choice xmlns:a14="http://schemas.microsoft.com/office/drawing/2010/main" Requires="a14">
+      <mc:AlternateContent xmlns:mc="http://schemas.openxmlformats.org/markup-compatibility/2006" xmlns:a14="http://schemas.microsoft.com/office/drawing/2010/main">
+        <mc:Choice Requires="a14">
           <p:sp>
             <p:nvSpPr>
               <p:cNvPr id="3" name="Content Placeholder 2"/>
@@ -6853,7 +6854,7 @@
             </p:txBody>
           </p:sp>
         </mc:Choice>
-        <mc:Fallback>
+        <mc:Fallback xmlns="">
           <p:sp>
             <p:nvSpPr>
               <p:cNvPr id="3" name="Content Placeholder 2"/>
@@ -7227,7 +7228,13 @@
       </p:grpSpPr>
       <p:sp>
         <p:nvSpPr>
-          <p:cNvPr id="2" name="Title 1"/>
+          <p:cNvPr id="2" name="Title 1">
+            <a:extLst>
+              <a:ext uri="{FF2B5EF4-FFF2-40B4-BE49-F238E27FC236}">
+                <a16:creationId xmlns:a16="http://schemas.microsoft.com/office/drawing/2014/main" id="{2DFA60ED-860F-40F5-BEEC-8ADC9533F75B}"/>
+              </a:ext>
+            </a:extLst>
+          </p:cNvPr>
           <p:cNvSpPr>
             <a:spLocks noGrp="1"/>
           </p:cNvSpPr>
@@ -7244,21 +7251,20 @@
           <a:p>
             <a:r>
               <a:rPr lang="en-US" dirty="0"/>
-              <a:t>Moment About an Axis</a:t>
-            </a:r>
-            <a:br>
-              <a:rPr lang="en-US" dirty="0"/>
-            </a:br>
-            <a:r>
-              <a:rPr lang="en-US" dirty="0"/>
-              <a:t>Worked Example</a:t>
-            </a:r>
-          </a:p>
-        </p:txBody>
-      </p:sp>
-      <p:sp>
-        <p:nvSpPr>
-          <p:cNvPr id="3" name="Content Placeholder 2"/>
+              <a:t>Moment About an Axis Worked Example</a:t>
+            </a:r>
+          </a:p>
+        </p:txBody>
+      </p:sp>
+      <p:sp>
+        <p:nvSpPr>
+          <p:cNvPr id="3" name="Content Placeholder 2">
+            <a:extLst>
+              <a:ext uri="{FF2B5EF4-FFF2-40B4-BE49-F238E27FC236}">
+                <a16:creationId xmlns:a16="http://schemas.microsoft.com/office/drawing/2014/main" id="{E04A51CD-C4E8-408F-A2FA-2E5040D9088A}"/>
+              </a:ext>
+            </a:extLst>
+          </p:cNvPr>
           <p:cNvSpPr>
             <a:spLocks noGrp="1"/>
           </p:cNvSpPr>
@@ -7269,25 +7275,31 @@
         <p:spPr>
           <a:xfrm>
             <a:off x="457200" y="1600200"/>
-            <a:ext cx="8229600" cy="1981199"/>
+            <a:ext cx="3393281" cy="4756149"/>
           </a:xfrm>
         </p:spPr>
         <p:txBody>
           <a:bodyPr>
-            <a:normAutofit lnSpcReduction="10000"/>
+            <a:normAutofit fontScale="92500"/>
           </a:bodyPr>
           <a:lstStyle/>
           <a:p>
             <a:r>
               <a:rPr lang="en-US" dirty="0"/>
-              <a:t>An L shaped plate lies in the XY plane and is supported by hinges at one end. Determine the moment that the force exerts about the axis of the hinges.</a:t>
-            </a:r>
-          </a:p>
-        </p:txBody>
-      </p:sp>
-      <p:sp>
-        <p:nvSpPr>
-          <p:cNvPr id="4" name="Slide Number Placeholder 3"/>
+              <a:t>A 5kN force in the y-z plane is exerted at the end of an arm as shown below. What is the moment that this force exerts about the central shaft (the y axis)?</a:t>
+            </a:r>
+          </a:p>
+        </p:txBody>
+      </p:sp>
+      <p:sp>
+        <p:nvSpPr>
+          <p:cNvPr id="4" name="Slide Number Placeholder 3">
+            <a:extLst>
+              <a:ext uri="{FF2B5EF4-FFF2-40B4-BE49-F238E27FC236}">
+                <a16:creationId xmlns:a16="http://schemas.microsoft.com/office/drawing/2014/main" id="{8F02D523-3F1B-4A2E-9CB5-EA061361BA7E}"/>
+              </a:ext>
+            </a:extLst>
+          </p:cNvPr>
           <p:cNvSpPr>
             <a:spLocks noGrp="1"/>
           </p:cNvSpPr>
@@ -7308,51 +7320,2370 @@
           </a:p>
         </p:txBody>
       </p:sp>
-      <p:pic>
-        <p:nvPicPr>
-          <p:cNvPr id="4098" name="Picture 2" descr="Problem 1 Diagram"/>
-          <p:cNvPicPr>
-            <a:picLocks noChangeAspect="1" noChangeArrowheads="1"/>
-          </p:cNvPicPr>
-          <p:nvPr/>
-        </p:nvPicPr>
-        <p:blipFill>
-          <a:blip r:embed="rId2">
+      <p:sp>
+        <p:nvSpPr>
+          <p:cNvPr id="5" name="Cylinder 4">
             <a:extLst>
-              <a:ext uri="{28A0092B-C50C-407E-A947-70E740481C1C}">
-                <a14:useLocalDpi xmlns:a14="http://schemas.microsoft.com/office/drawing/2010/main" val="0"/>
+              <a:ext uri="{FF2B5EF4-FFF2-40B4-BE49-F238E27FC236}">
+                <a16:creationId xmlns:a16="http://schemas.microsoft.com/office/drawing/2014/main" id="{474CC58E-DC06-4F6D-B680-E7FAD9EF784A}"/>
               </a:ext>
             </a:extLst>
-          </a:blip>
-          <a:srcRect/>
-          <a:stretch>
-            <a:fillRect/>
-          </a:stretch>
-        </p:blipFill>
-        <p:spPr bwMode="auto">
+          </p:cNvPr>
+          <p:cNvSpPr/>
+          <p:nvPr/>
+        </p:nvSpPr>
+        <p:spPr>
           <a:xfrm>
-            <a:off x="2438400" y="3732057"/>
-            <a:ext cx="4267200" cy="3115057"/>
+            <a:off x="6736557" y="2869580"/>
+            <a:ext cx="685800" cy="2317750"/>
+          </a:xfrm>
+          <a:prstGeom prst="can">
+            <a:avLst>
+              <a:gd name="adj" fmla="val 36111"/>
+            </a:avLst>
+          </a:prstGeom>
+        </p:spPr>
+        <p:style>
+          <a:lnRef idx="1">
+            <a:schemeClr val="dk1"/>
+          </a:lnRef>
+          <a:fillRef idx="2">
+            <a:schemeClr val="dk1"/>
+          </a:fillRef>
+          <a:effectRef idx="1">
+            <a:schemeClr val="dk1"/>
+          </a:effectRef>
+          <a:fontRef idx="minor">
+            <a:schemeClr val="dk1"/>
+          </a:fontRef>
+        </p:style>
+        <p:txBody>
+          <a:bodyPr rtlCol="0" anchor="ctr"/>
+          <a:lstStyle/>
+          <a:p>
+            <a:pPr algn="ctr"/>
+            <a:endParaRPr lang="en-US"/>
+          </a:p>
+        </p:txBody>
+      </p:sp>
+      <p:sp>
+        <p:nvSpPr>
+          <p:cNvPr id="6" name="Cube 5">
+            <a:extLst>
+              <a:ext uri="{FF2B5EF4-FFF2-40B4-BE49-F238E27FC236}">
+                <a16:creationId xmlns:a16="http://schemas.microsoft.com/office/drawing/2014/main" id="{5E492EF8-9C09-432C-B469-13B5E5A20EC5}"/>
+              </a:ext>
+            </a:extLst>
+          </p:cNvPr>
+          <p:cNvSpPr/>
+          <p:nvPr/>
+        </p:nvSpPr>
+        <p:spPr>
+          <a:xfrm>
+            <a:off x="4912521" y="2625898"/>
+            <a:ext cx="2900088" cy="497679"/>
+          </a:xfrm>
+          <a:prstGeom prst="cube">
+            <a:avLst>
+              <a:gd name="adj" fmla="val 62500"/>
+            </a:avLst>
+          </a:prstGeom>
+        </p:spPr>
+        <p:style>
+          <a:lnRef idx="1">
+            <a:schemeClr val="dk1"/>
+          </a:lnRef>
+          <a:fillRef idx="2">
+            <a:schemeClr val="dk1"/>
+          </a:fillRef>
+          <a:effectRef idx="1">
+            <a:schemeClr val="dk1"/>
+          </a:effectRef>
+          <a:fontRef idx="minor">
+            <a:schemeClr val="dk1"/>
+          </a:fontRef>
+        </p:style>
+        <p:txBody>
+          <a:bodyPr rtlCol="0" anchor="ctr"/>
+          <a:lstStyle/>
+          <a:p>
+            <a:pPr algn="ctr"/>
+            <a:endParaRPr lang="en-US"/>
+          </a:p>
+        </p:txBody>
+      </p:sp>
+      <p:cxnSp>
+        <p:nvCxnSpPr>
+          <p:cNvPr id="7" name="Straight Arrow Connector 6">
+            <a:extLst>
+              <a:ext uri="{FF2B5EF4-FFF2-40B4-BE49-F238E27FC236}">
+                <a16:creationId xmlns:a16="http://schemas.microsoft.com/office/drawing/2014/main" id="{0A25259F-F16D-4FB1-BF23-DB6BA1D1F81B}"/>
+              </a:ext>
+            </a:extLst>
+          </p:cNvPr>
+          <p:cNvCxnSpPr/>
+          <p:nvPr/>
+        </p:nvCxnSpPr>
+        <p:spPr>
+          <a:xfrm>
+            <a:off x="7493794" y="5102399"/>
+            <a:ext cx="914400" cy="0"/>
+          </a:xfrm>
+          <a:prstGeom prst="straightConnector1">
+            <a:avLst/>
+          </a:prstGeom>
+          <a:ln>
+            <a:headEnd type="none" w="med" len="med"/>
+            <a:tailEnd type="arrow" w="med" len="med"/>
+          </a:ln>
+        </p:spPr>
+        <p:style>
+          <a:lnRef idx="2">
+            <a:schemeClr val="dk1"/>
+          </a:lnRef>
+          <a:fillRef idx="0">
+            <a:schemeClr val="dk1"/>
+          </a:fillRef>
+          <a:effectRef idx="1">
+            <a:schemeClr val="dk1"/>
+          </a:effectRef>
+          <a:fontRef idx="minor">
+            <a:schemeClr val="tx1"/>
+          </a:fontRef>
+        </p:style>
+      </p:cxnSp>
+      <p:cxnSp>
+        <p:nvCxnSpPr>
+          <p:cNvPr id="8" name="Straight Arrow Connector 7">
+            <a:extLst>
+              <a:ext uri="{FF2B5EF4-FFF2-40B4-BE49-F238E27FC236}">
+                <a16:creationId xmlns:a16="http://schemas.microsoft.com/office/drawing/2014/main" id="{49376596-071B-4241-8CBC-70EB905B1FA2}"/>
+              </a:ext>
+            </a:extLst>
+          </p:cNvPr>
+          <p:cNvCxnSpPr>
+            <a:cxnSpLocks/>
+          </p:cNvCxnSpPr>
+          <p:nvPr/>
+        </p:nvCxnSpPr>
+        <p:spPr>
+          <a:xfrm flipH="1">
+            <a:off x="6569869" y="5251624"/>
+            <a:ext cx="407194" cy="407194"/>
+          </a:xfrm>
+          <a:prstGeom prst="straightConnector1">
+            <a:avLst/>
+          </a:prstGeom>
+          <a:ln>
+            <a:headEnd type="none" w="med" len="med"/>
+            <a:tailEnd type="arrow" w="med" len="med"/>
+          </a:ln>
+        </p:spPr>
+        <p:style>
+          <a:lnRef idx="2">
+            <a:schemeClr val="dk1"/>
+          </a:lnRef>
+          <a:fillRef idx="0">
+            <a:schemeClr val="dk1"/>
+          </a:fillRef>
+          <a:effectRef idx="1">
+            <a:schemeClr val="dk1"/>
+          </a:effectRef>
+          <a:fontRef idx="minor">
+            <a:schemeClr val="tx1"/>
+          </a:fontRef>
+        </p:style>
+      </p:cxnSp>
+      <p:sp>
+        <p:nvSpPr>
+          <p:cNvPr id="9" name="TextBox 8">
+            <a:extLst>
+              <a:ext uri="{FF2B5EF4-FFF2-40B4-BE49-F238E27FC236}">
+                <a16:creationId xmlns:a16="http://schemas.microsoft.com/office/drawing/2014/main" id="{33A502B7-474F-4E17-A43D-B437C3A6EDAE}"/>
+              </a:ext>
+            </a:extLst>
+          </p:cNvPr>
+          <p:cNvSpPr txBox="1"/>
+          <p:nvPr/>
+        </p:nvSpPr>
+        <p:spPr>
+          <a:xfrm>
+            <a:off x="8478948" y="4917733"/>
+            <a:ext cx="284052" cy="369332"/>
           </a:xfrm>
           <a:prstGeom prst="rect">
             <a:avLst/>
           </a:prstGeom>
           <a:noFill/>
-          <a:extLst>
-            <a:ext uri="{909E8E84-426E-40DD-AFC4-6F175D3DCCD1}">
-              <a14:hiddenFill xmlns:a14="http://schemas.microsoft.com/office/drawing/2010/main">
+        </p:spPr>
+        <p:txBody>
+          <a:bodyPr wrap="none" rtlCol="0">
+            <a:spAutoFit/>
+          </a:bodyPr>
+          <a:lstStyle/>
+          <a:p>
+            <a:r>
+              <a:rPr lang="en-US" dirty="0"/>
+              <a:t>x</a:t>
+            </a:r>
+          </a:p>
+        </p:txBody>
+      </p:sp>
+      <p:sp>
+        <p:nvSpPr>
+          <p:cNvPr id="10" name="TextBox 9">
+            <a:extLst>
+              <a:ext uri="{FF2B5EF4-FFF2-40B4-BE49-F238E27FC236}">
+                <a16:creationId xmlns:a16="http://schemas.microsoft.com/office/drawing/2014/main" id="{24C046B1-F54F-4C0C-8559-681F65F419F2}"/>
+              </a:ext>
+            </a:extLst>
+          </p:cNvPr>
+          <p:cNvSpPr txBox="1"/>
+          <p:nvPr/>
+        </p:nvSpPr>
+        <p:spPr>
+          <a:xfrm>
+            <a:off x="7190645" y="1871489"/>
+            <a:ext cx="288862" cy="369332"/>
+          </a:xfrm>
+          <a:prstGeom prst="rect">
+            <a:avLst/>
+          </a:prstGeom>
+          <a:noFill/>
+        </p:spPr>
+        <p:txBody>
+          <a:bodyPr wrap="none" rtlCol="0">
+            <a:spAutoFit/>
+          </a:bodyPr>
+          <a:lstStyle/>
+          <a:p>
+            <a:r>
+              <a:rPr lang="en-US" dirty="0"/>
+              <a:t>y</a:t>
+            </a:r>
+          </a:p>
+        </p:txBody>
+      </p:sp>
+      <p:sp>
+        <p:nvSpPr>
+          <p:cNvPr id="11" name="TextBox 10">
+            <a:extLst>
+              <a:ext uri="{FF2B5EF4-FFF2-40B4-BE49-F238E27FC236}">
+                <a16:creationId xmlns:a16="http://schemas.microsoft.com/office/drawing/2014/main" id="{2B454E98-99D4-4649-98CA-74FADC4030E8}"/>
+              </a:ext>
+            </a:extLst>
+          </p:cNvPr>
+          <p:cNvSpPr txBox="1"/>
+          <p:nvPr/>
+        </p:nvSpPr>
+        <p:spPr>
+          <a:xfrm>
+            <a:off x="6242907" y="5456967"/>
+            <a:ext cx="276038" cy="369332"/>
+          </a:xfrm>
+          <a:prstGeom prst="rect">
+            <a:avLst/>
+          </a:prstGeom>
+          <a:noFill/>
+        </p:spPr>
+        <p:txBody>
+          <a:bodyPr wrap="none" rtlCol="0">
+            <a:spAutoFit/>
+          </a:bodyPr>
+          <a:lstStyle/>
+          <a:p>
+            <a:r>
+              <a:rPr lang="en-US" dirty="0"/>
+              <a:t>z</a:t>
+            </a:r>
+          </a:p>
+        </p:txBody>
+      </p:sp>
+      <p:cxnSp>
+        <p:nvCxnSpPr>
+          <p:cNvPr id="12" name="Straight Arrow Connector 11">
+            <a:extLst>
+              <a:ext uri="{FF2B5EF4-FFF2-40B4-BE49-F238E27FC236}">
+                <a16:creationId xmlns:a16="http://schemas.microsoft.com/office/drawing/2014/main" id="{F49E23CD-CBBD-4043-84B4-10DAC29B12C8}"/>
+              </a:ext>
+            </a:extLst>
+          </p:cNvPr>
+          <p:cNvCxnSpPr>
+            <a:cxnSpLocks/>
+          </p:cNvCxnSpPr>
+          <p:nvPr/>
+        </p:nvCxnSpPr>
+        <p:spPr>
+          <a:xfrm flipH="1">
+            <a:off x="4336089" y="2749723"/>
+            <a:ext cx="766930" cy="1568052"/>
+          </a:xfrm>
+          <a:prstGeom prst="straightConnector1">
+            <a:avLst/>
+          </a:prstGeom>
+          <a:ln>
+            <a:solidFill>
+              <a:srgbClr val="FF0000"/>
+            </a:solidFill>
+            <a:tailEnd type="triangle"/>
+          </a:ln>
+        </p:spPr>
+        <p:style>
+          <a:lnRef idx="3">
+            <a:schemeClr val="accent2"/>
+          </a:lnRef>
+          <a:fillRef idx="0">
+            <a:schemeClr val="accent2"/>
+          </a:fillRef>
+          <a:effectRef idx="2">
+            <a:schemeClr val="accent2"/>
+          </a:effectRef>
+          <a:fontRef idx="minor">
+            <a:schemeClr val="tx1"/>
+          </a:fontRef>
+        </p:style>
+      </p:cxnSp>
+      <p:cxnSp>
+        <p:nvCxnSpPr>
+          <p:cNvPr id="13" name="Straight Connector 12">
+            <a:extLst>
+              <a:ext uri="{FF2B5EF4-FFF2-40B4-BE49-F238E27FC236}">
+                <a16:creationId xmlns:a16="http://schemas.microsoft.com/office/drawing/2014/main" id="{E4C3E7E5-4F1A-4987-B942-92C898E3F7A8}"/>
+              </a:ext>
+            </a:extLst>
+          </p:cNvPr>
+          <p:cNvCxnSpPr>
+            <a:cxnSpLocks/>
+          </p:cNvCxnSpPr>
+          <p:nvPr/>
+        </p:nvCxnSpPr>
+        <p:spPr>
+          <a:xfrm>
+            <a:off x="7979569" y="2869580"/>
+            <a:ext cx="0" cy="2232819"/>
+          </a:xfrm>
+          <a:prstGeom prst="line">
+            <a:avLst/>
+          </a:prstGeom>
+        </p:spPr>
+        <p:style>
+          <a:lnRef idx="1">
+            <a:schemeClr val="accent1"/>
+          </a:lnRef>
+          <a:fillRef idx="0">
+            <a:schemeClr val="accent1"/>
+          </a:fillRef>
+          <a:effectRef idx="0">
+            <a:schemeClr val="accent1"/>
+          </a:effectRef>
+          <a:fontRef idx="minor">
+            <a:schemeClr val="tx1"/>
+          </a:fontRef>
+        </p:style>
+      </p:cxnSp>
+      <p:cxnSp>
+        <p:nvCxnSpPr>
+          <p:cNvPr id="14" name="Straight Connector 13">
+            <a:extLst>
+              <a:ext uri="{FF2B5EF4-FFF2-40B4-BE49-F238E27FC236}">
+                <a16:creationId xmlns:a16="http://schemas.microsoft.com/office/drawing/2014/main" id="{89DA5B54-92C3-4241-A643-A11AFA3535AC}"/>
+              </a:ext>
+            </a:extLst>
+          </p:cNvPr>
+          <p:cNvCxnSpPr>
+            <a:cxnSpLocks/>
+          </p:cNvCxnSpPr>
+          <p:nvPr/>
+        </p:nvCxnSpPr>
+        <p:spPr>
+          <a:xfrm>
+            <a:off x="5064919" y="2063924"/>
+            <a:ext cx="0" cy="571500"/>
+          </a:xfrm>
+          <a:prstGeom prst="line">
+            <a:avLst/>
+          </a:prstGeom>
+        </p:spPr>
+        <p:style>
+          <a:lnRef idx="1">
+            <a:schemeClr val="accent1"/>
+          </a:lnRef>
+          <a:fillRef idx="0">
+            <a:schemeClr val="accent1"/>
+          </a:fillRef>
+          <a:effectRef idx="0">
+            <a:schemeClr val="accent1"/>
+          </a:effectRef>
+          <a:fontRef idx="minor">
+            <a:schemeClr val="tx1"/>
+          </a:fontRef>
+        </p:style>
+      </p:cxnSp>
+      <p:cxnSp>
+        <p:nvCxnSpPr>
+          <p:cNvPr id="16" name="Straight Connector 15">
+            <a:extLst>
+              <a:ext uri="{FF2B5EF4-FFF2-40B4-BE49-F238E27FC236}">
+                <a16:creationId xmlns:a16="http://schemas.microsoft.com/office/drawing/2014/main" id="{7A42EDC4-E53A-4AAE-B183-43EDADDC8240}"/>
+              </a:ext>
+            </a:extLst>
+          </p:cNvPr>
+          <p:cNvCxnSpPr>
+            <a:cxnSpLocks/>
+          </p:cNvCxnSpPr>
+          <p:nvPr/>
+        </p:nvCxnSpPr>
+        <p:spPr>
+          <a:xfrm flipH="1">
+            <a:off x="5064919" y="2349674"/>
+            <a:ext cx="2060973" cy="0"/>
+          </a:xfrm>
+          <a:prstGeom prst="line">
+            <a:avLst/>
+          </a:prstGeom>
+        </p:spPr>
+        <p:style>
+          <a:lnRef idx="1">
+            <a:schemeClr val="accent1"/>
+          </a:lnRef>
+          <a:fillRef idx="0">
+            <a:schemeClr val="accent1"/>
+          </a:fillRef>
+          <a:effectRef idx="0">
+            <a:schemeClr val="accent1"/>
+          </a:effectRef>
+          <a:fontRef idx="minor">
+            <a:schemeClr val="tx1"/>
+          </a:fontRef>
+        </p:style>
+      </p:cxnSp>
+      <p:cxnSp>
+        <p:nvCxnSpPr>
+          <p:cNvPr id="17" name="Straight Arrow Connector 16">
+            <a:extLst>
+              <a:ext uri="{FF2B5EF4-FFF2-40B4-BE49-F238E27FC236}">
+                <a16:creationId xmlns:a16="http://schemas.microsoft.com/office/drawing/2014/main" id="{90878A75-7C04-4D35-9A30-15DB05A31682}"/>
+              </a:ext>
+            </a:extLst>
+          </p:cNvPr>
+          <p:cNvCxnSpPr>
+            <a:cxnSpLocks/>
+          </p:cNvCxnSpPr>
+          <p:nvPr/>
+        </p:nvCxnSpPr>
+        <p:spPr>
+          <a:xfrm flipV="1">
+            <a:off x="7125892" y="2131968"/>
+            <a:ext cx="2405" cy="617756"/>
+          </a:xfrm>
+          <a:prstGeom prst="straightConnector1">
+            <a:avLst/>
+          </a:prstGeom>
+          <a:ln>
+            <a:headEnd type="none" w="med" len="med"/>
+            <a:tailEnd type="arrow" w="med" len="med"/>
+          </a:ln>
+        </p:spPr>
+        <p:style>
+          <a:lnRef idx="2">
+            <a:schemeClr val="dk1"/>
+          </a:lnRef>
+          <a:fillRef idx="0">
+            <a:schemeClr val="dk1"/>
+          </a:fillRef>
+          <a:effectRef idx="1">
+            <a:schemeClr val="dk1"/>
+          </a:effectRef>
+          <a:fontRef idx="minor">
+            <a:schemeClr val="tx1"/>
+          </a:fontRef>
+        </p:style>
+      </p:cxnSp>
+      <p:sp>
+        <p:nvSpPr>
+          <p:cNvPr id="18" name="TextBox 17">
+            <a:extLst>
+              <a:ext uri="{FF2B5EF4-FFF2-40B4-BE49-F238E27FC236}">
+                <a16:creationId xmlns:a16="http://schemas.microsoft.com/office/drawing/2014/main" id="{D324B83A-06F4-4FFA-8ACC-6161BC69B375}"/>
+              </a:ext>
+            </a:extLst>
+          </p:cNvPr>
+          <p:cNvSpPr txBox="1"/>
+          <p:nvPr/>
+        </p:nvSpPr>
+        <p:spPr>
+          <a:xfrm>
+            <a:off x="5705215" y="2174533"/>
+            <a:ext cx="753732" cy="369332"/>
+          </a:xfrm>
+          <a:prstGeom prst="rect">
+            <a:avLst/>
+          </a:prstGeom>
+          <a:solidFill>
+            <a:schemeClr val="bg1"/>
+          </a:solidFill>
+        </p:spPr>
+        <p:txBody>
+          <a:bodyPr wrap="none" rtlCol="0">
+            <a:spAutoFit/>
+          </a:bodyPr>
+          <a:lstStyle/>
+          <a:p>
+            <a:r>
+              <a:rPr lang="en-US" dirty="0">
                 <a:solidFill>
-                  <a:srgbClr val="FFFFFF"/>
+                  <a:schemeClr val="accent1"/>
                 </a:solidFill>
-              </a14:hiddenFill>
-            </a:ext>
-          </a:extLst>
+              </a:rPr>
+              <a:t>30 cm</a:t>
+            </a:r>
+          </a:p>
+        </p:txBody>
+      </p:sp>
+      <p:sp>
+        <p:nvSpPr>
+          <p:cNvPr id="20" name="TextBox 19">
+            <a:extLst>
+              <a:ext uri="{FF2B5EF4-FFF2-40B4-BE49-F238E27FC236}">
+                <a16:creationId xmlns:a16="http://schemas.microsoft.com/office/drawing/2014/main" id="{08BB710E-3709-49DF-B29C-7B502A8E21E3}"/>
+              </a:ext>
+            </a:extLst>
+          </p:cNvPr>
+          <p:cNvSpPr txBox="1"/>
+          <p:nvPr/>
+        </p:nvSpPr>
+        <p:spPr>
+          <a:xfrm>
+            <a:off x="7609219" y="3979006"/>
+            <a:ext cx="753732" cy="369332"/>
+          </a:xfrm>
+          <a:prstGeom prst="rect">
+            <a:avLst/>
+          </a:prstGeom>
+          <a:solidFill>
+            <a:schemeClr val="bg1"/>
+          </a:solidFill>
         </p:spPr>
-      </p:pic>
+        <p:txBody>
+          <a:bodyPr wrap="none" rtlCol="0">
+            <a:spAutoFit/>
+          </a:bodyPr>
+          <a:lstStyle/>
+          <a:p>
+            <a:r>
+              <a:rPr lang="en-US" dirty="0">
+                <a:solidFill>
+                  <a:schemeClr val="accent1"/>
+                </a:solidFill>
+              </a:rPr>
+              <a:t>40 cm</a:t>
+            </a:r>
+          </a:p>
+        </p:txBody>
+      </p:sp>
+      <p:sp>
+        <p:nvSpPr>
+          <p:cNvPr id="21" name="TextBox 20">
+            <a:extLst>
+              <a:ext uri="{FF2B5EF4-FFF2-40B4-BE49-F238E27FC236}">
+                <a16:creationId xmlns:a16="http://schemas.microsoft.com/office/drawing/2014/main" id="{5A73DBB5-5042-42AD-A7AC-85E63BEEDC96}"/>
+              </a:ext>
+            </a:extLst>
+          </p:cNvPr>
+          <p:cNvSpPr txBox="1"/>
+          <p:nvPr/>
+        </p:nvSpPr>
+        <p:spPr>
+          <a:xfrm>
+            <a:off x="4553675" y="3928322"/>
+            <a:ext cx="617477" cy="369332"/>
+          </a:xfrm>
+          <a:prstGeom prst="rect">
+            <a:avLst/>
+          </a:prstGeom>
+          <a:noFill/>
+        </p:spPr>
+        <p:txBody>
+          <a:bodyPr wrap="none" rtlCol="0">
+            <a:spAutoFit/>
+          </a:bodyPr>
+          <a:lstStyle/>
+          <a:p>
+            <a:r>
+              <a:rPr lang="en-US" b="1" dirty="0">
+                <a:solidFill>
+                  <a:srgbClr val="FF0000"/>
+                </a:solidFill>
+              </a:rPr>
+              <a:t>5 kN</a:t>
+            </a:r>
+          </a:p>
+        </p:txBody>
+      </p:sp>
+      <p:sp>
+        <p:nvSpPr>
+          <p:cNvPr id="22" name="TextBox 21">
+            <a:extLst>
+              <a:ext uri="{FF2B5EF4-FFF2-40B4-BE49-F238E27FC236}">
+                <a16:creationId xmlns:a16="http://schemas.microsoft.com/office/drawing/2014/main" id="{1B5B18C0-2097-491D-8CB6-B3DFDF05EF15}"/>
+              </a:ext>
+            </a:extLst>
+          </p:cNvPr>
+          <p:cNvSpPr txBox="1"/>
+          <p:nvPr/>
+        </p:nvSpPr>
+        <p:spPr>
+          <a:xfrm>
+            <a:off x="7074694" y="5142642"/>
+            <a:ext cx="336952" cy="369332"/>
+          </a:xfrm>
+          <a:prstGeom prst="rect">
+            <a:avLst/>
+          </a:prstGeom>
+          <a:noFill/>
+        </p:spPr>
+        <p:txBody>
+          <a:bodyPr wrap="none" rtlCol="0">
+            <a:spAutoFit/>
+          </a:bodyPr>
+          <a:lstStyle/>
+          <a:p>
+            <a:r>
+              <a:rPr lang="en-US" dirty="0"/>
+              <a:t>O</a:t>
+            </a:r>
+          </a:p>
+        </p:txBody>
+      </p:sp>
+      <p:cxnSp>
+        <p:nvCxnSpPr>
+          <p:cNvPr id="24" name="Straight Connector 23">
+            <a:extLst>
+              <a:ext uri="{FF2B5EF4-FFF2-40B4-BE49-F238E27FC236}">
+                <a16:creationId xmlns:a16="http://schemas.microsoft.com/office/drawing/2014/main" id="{CB03A847-64D6-4E2D-AC44-3B0AF27039DC}"/>
+              </a:ext>
+            </a:extLst>
+          </p:cNvPr>
+          <p:cNvCxnSpPr>
+            <a:cxnSpLocks/>
+          </p:cNvCxnSpPr>
+          <p:nvPr/>
+        </p:nvCxnSpPr>
+        <p:spPr>
+          <a:xfrm flipH="1">
+            <a:off x="7702660" y="2869580"/>
+            <a:ext cx="595997" cy="0"/>
+          </a:xfrm>
+          <a:prstGeom prst="line">
+            <a:avLst/>
+          </a:prstGeom>
+        </p:spPr>
+        <p:style>
+          <a:lnRef idx="1">
+            <a:schemeClr val="accent1"/>
+          </a:lnRef>
+          <a:fillRef idx="0">
+            <a:schemeClr val="accent1"/>
+          </a:fillRef>
+          <a:effectRef idx="0">
+            <a:schemeClr val="accent1"/>
+          </a:effectRef>
+          <a:fontRef idx="minor">
+            <a:schemeClr val="tx1"/>
+          </a:fontRef>
+        </p:style>
+      </p:cxnSp>
+      <p:cxnSp>
+        <p:nvCxnSpPr>
+          <p:cNvPr id="30" name="Straight Connector 29">
+            <a:extLst>
+              <a:ext uri="{FF2B5EF4-FFF2-40B4-BE49-F238E27FC236}">
+                <a16:creationId xmlns:a16="http://schemas.microsoft.com/office/drawing/2014/main" id="{901B6501-70FA-4B9E-ACD8-5C97EA3FD792}"/>
+              </a:ext>
+            </a:extLst>
+          </p:cNvPr>
+          <p:cNvCxnSpPr>
+            <a:cxnSpLocks/>
+          </p:cNvCxnSpPr>
+          <p:nvPr/>
+        </p:nvCxnSpPr>
+        <p:spPr>
+          <a:xfrm flipH="1">
+            <a:off x="4283872" y="2749723"/>
+            <a:ext cx="799927" cy="710567"/>
+          </a:xfrm>
+          <a:prstGeom prst="line">
+            <a:avLst/>
+          </a:prstGeom>
+          <a:ln w="19050">
+            <a:solidFill>
+              <a:srgbClr val="FF0000"/>
+            </a:solidFill>
+            <a:prstDash val="dash"/>
+          </a:ln>
+        </p:spPr>
+        <p:style>
+          <a:lnRef idx="1">
+            <a:schemeClr val="accent1"/>
+          </a:lnRef>
+          <a:fillRef idx="0">
+            <a:schemeClr val="accent1"/>
+          </a:fillRef>
+          <a:effectRef idx="0">
+            <a:schemeClr val="accent1"/>
+          </a:effectRef>
+          <a:fontRef idx="minor">
+            <a:schemeClr val="tx1"/>
+          </a:fontRef>
+        </p:style>
+      </p:cxnSp>
+      <p:cxnSp>
+        <p:nvCxnSpPr>
+          <p:cNvPr id="33" name="Straight Connector 32">
+            <a:extLst>
+              <a:ext uri="{FF2B5EF4-FFF2-40B4-BE49-F238E27FC236}">
+                <a16:creationId xmlns:a16="http://schemas.microsoft.com/office/drawing/2014/main" id="{05087C63-3014-4873-9E95-6194A5A3676F}"/>
+              </a:ext>
+            </a:extLst>
+          </p:cNvPr>
+          <p:cNvCxnSpPr>
+            <a:cxnSpLocks/>
+          </p:cNvCxnSpPr>
+          <p:nvPr/>
+        </p:nvCxnSpPr>
+        <p:spPr>
+          <a:xfrm>
+            <a:off x="4331189" y="3463017"/>
+            <a:ext cx="9800" cy="759560"/>
+          </a:xfrm>
+          <a:prstGeom prst="line">
+            <a:avLst/>
+          </a:prstGeom>
+          <a:ln w="19050">
+            <a:solidFill>
+              <a:srgbClr val="FF0000"/>
+            </a:solidFill>
+            <a:prstDash val="dash"/>
+          </a:ln>
+        </p:spPr>
+        <p:style>
+          <a:lnRef idx="1">
+            <a:schemeClr val="accent1"/>
+          </a:lnRef>
+          <a:fillRef idx="0">
+            <a:schemeClr val="accent1"/>
+          </a:fillRef>
+          <a:effectRef idx="0">
+            <a:schemeClr val="accent1"/>
+          </a:effectRef>
+          <a:fontRef idx="minor">
+            <a:schemeClr val="tx1"/>
+          </a:fontRef>
+        </p:style>
+      </p:cxnSp>
+      <p:sp>
+        <p:nvSpPr>
+          <p:cNvPr id="36" name="Arc 35">
+            <a:extLst>
+              <a:ext uri="{FF2B5EF4-FFF2-40B4-BE49-F238E27FC236}">
+                <a16:creationId xmlns:a16="http://schemas.microsoft.com/office/drawing/2014/main" id="{DF30F3EF-773C-4A91-B7FF-F9E13DB25B96}"/>
+              </a:ext>
+            </a:extLst>
+          </p:cNvPr>
+          <p:cNvSpPr/>
+          <p:nvPr/>
+        </p:nvSpPr>
+        <p:spPr>
+          <a:xfrm>
+            <a:off x="4743450" y="2133600"/>
+            <a:ext cx="628097" cy="1411459"/>
+          </a:xfrm>
+          <a:prstGeom prst="arc">
+            <a:avLst>
+              <a:gd name="adj1" fmla="val 6858143"/>
+              <a:gd name="adj2" fmla="val 8658610"/>
+            </a:avLst>
+          </a:prstGeom>
+        </p:spPr>
+        <p:style>
+          <a:lnRef idx="1">
+            <a:schemeClr val="accent1"/>
+          </a:lnRef>
+          <a:fillRef idx="0">
+            <a:schemeClr val="accent1"/>
+          </a:fillRef>
+          <a:effectRef idx="0">
+            <a:schemeClr val="accent1"/>
+          </a:effectRef>
+          <a:fontRef idx="minor">
+            <a:schemeClr val="tx1"/>
+          </a:fontRef>
+        </p:style>
+        <p:txBody>
+          <a:bodyPr rtlCol="0" anchor="ctr"/>
+          <a:lstStyle/>
+          <a:p>
+            <a:pPr algn="ctr"/>
+            <a:endParaRPr lang="en-US"/>
+          </a:p>
+        </p:txBody>
+      </p:sp>
+      <p:sp>
+        <p:nvSpPr>
+          <p:cNvPr id="37" name="TextBox 36">
+            <a:extLst>
+              <a:ext uri="{FF2B5EF4-FFF2-40B4-BE49-F238E27FC236}">
+                <a16:creationId xmlns:a16="http://schemas.microsoft.com/office/drawing/2014/main" id="{48F6B0B7-F28D-4DA2-A6B4-C1124F1CA441}"/>
+              </a:ext>
+            </a:extLst>
+          </p:cNvPr>
+          <p:cNvSpPr txBox="1"/>
+          <p:nvPr/>
+        </p:nvSpPr>
+        <p:spPr>
+          <a:xfrm>
+            <a:off x="4368831" y="2664954"/>
+            <a:ext cx="500458" cy="369332"/>
+          </a:xfrm>
+          <a:prstGeom prst="rect">
+            <a:avLst/>
+          </a:prstGeom>
+          <a:noFill/>
+        </p:spPr>
+        <p:txBody>
+          <a:bodyPr wrap="none" rtlCol="0">
+            <a:spAutoFit/>
+          </a:bodyPr>
+          <a:lstStyle/>
+          <a:p>
+            <a:r>
+              <a:rPr lang="en-US" dirty="0">
+                <a:solidFill>
+                  <a:schemeClr val="accent1"/>
+                </a:solidFill>
+              </a:rPr>
+              <a:t>30</a:t>
+            </a:r>
+            <a:r>
+              <a:rPr lang="en-US" baseline="30000" dirty="0">
+                <a:solidFill>
+                  <a:schemeClr val="accent1"/>
+                </a:solidFill>
+              </a:rPr>
+              <a:t>o</a:t>
+            </a:r>
+          </a:p>
+        </p:txBody>
+      </p:sp>
     </p:spTree>
     <p:extLst>
       <p:ext uri="{BB962C8B-B14F-4D97-AF65-F5344CB8AC3E}">
-        <p14:creationId xmlns:p14="http://schemas.microsoft.com/office/powerpoint/2010/main" val="3262614784"/>
+        <p14:creationId xmlns:p14="http://schemas.microsoft.com/office/powerpoint/2010/main" val="976230102"/>
+      </p:ext>
+    </p:extLst>
+  </p:cSld>
+  <p:clrMapOvr>
+    <a:masterClrMapping/>
+  </p:clrMapOvr>
+</p:sld>
+</file>
+
+<file path=ppt/slides/slide9.xml><?xml version="1.0" encoding="utf-8"?>
+<p:sld xmlns:a="http://schemas.openxmlformats.org/drawingml/2006/main" xmlns:r="http://schemas.openxmlformats.org/officeDocument/2006/relationships" xmlns:p="http://schemas.openxmlformats.org/presentationml/2006/main">
+  <p:cSld>
+    <p:spTree>
+      <p:nvGrpSpPr>
+        <p:cNvPr id="1" name=""/>
+        <p:cNvGrpSpPr/>
+        <p:nvPr/>
+      </p:nvGrpSpPr>
+      <p:grpSpPr>
+        <a:xfrm>
+          <a:off x="0" y="0"/>
+          <a:ext cx="0" cy="0"/>
+          <a:chOff x="0" y="0"/>
+          <a:chExt cx="0" cy="0"/>
+        </a:xfrm>
+      </p:grpSpPr>
+      <p:sp>
+        <p:nvSpPr>
+          <p:cNvPr id="2" name="Title 1">
+            <a:extLst>
+              <a:ext uri="{FF2B5EF4-FFF2-40B4-BE49-F238E27FC236}">
+                <a16:creationId xmlns:a16="http://schemas.microsoft.com/office/drawing/2014/main" id="{CF274258-92B1-4F3A-9C65-D9BAC2F4654A}"/>
+              </a:ext>
+            </a:extLst>
+          </p:cNvPr>
+          <p:cNvSpPr>
+            <a:spLocks noGrp="1"/>
+          </p:cNvSpPr>
+          <p:nvPr>
+            <p:ph type="title"/>
+          </p:nvPr>
+        </p:nvSpPr>
+        <p:spPr/>
+        <p:txBody>
+          <a:bodyPr>
+            <a:normAutofit fontScale="90000"/>
+          </a:bodyPr>
+          <a:lstStyle/>
+          <a:p>
+            <a:r>
+              <a:rPr lang="en-US" dirty="0"/>
+              <a:t>Moment About an Axis Worked Example</a:t>
+            </a:r>
+          </a:p>
+        </p:txBody>
+      </p:sp>
+      <p:sp>
+        <p:nvSpPr>
+          <p:cNvPr id="3" name="Content Placeholder 2">
+            <a:extLst>
+              <a:ext uri="{FF2B5EF4-FFF2-40B4-BE49-F238E27FC236}">
+                <a16:creationId xmlns:a16="http://schemas.microsoft.com/office/drawing/2014/main" id="{BCAA99EB-7236-4632-9999-1BB77381BE6B}"/>
+              </a:ext>
+            </a:extLst>
+          </p:cNvPr>
+          <p:cNvSpPr>
+            <a:spLocks noGrp="1"/>
+          </p:cNvSpPr>
+          <p:nvPr>
+            <p:ph idx="1"/>
+          </p:nvPr>
+        </p:nvSpPr>
+        <p:spPr>
+          <a:xfrm>
+            <a:off x="457200" y="1600200"/>
+            <a:ext cx="8229600" cy="1684959"/>
+          </a:xfrm>
+        </p:spPr>
+        <p:txBody>
+          <a:bodyPr>
+            <a:normAutofit fontScale="92500" lnSpcReduction="20000"/>
+          </a:bodyPr>
+          <a:lstStyle/>
+          <a:p>
+            <a:r>
+              <a:rPr lang="en-US" dirty="0"/>
+              <a:t>A 100 lb force acts along the line connecting points O and A in the diagram below. What moment does this force exert about the axis connecting points B and C?</a:t>
+            </a:r>
+          </a:p>
+        </p:txBody>
+      </p:sp>
+      <p:sp>
+        <p:nvSpPr>
+          <p:cNvPr id="4" name="Slide Number Placeholder 3">
+            <a:extLst>
+              <a:ext uri="{FF2B5EF4-FFF2-40B4-BE49-F238E27FC236}">
+                <a16:creationId xmlns:a16="http://schemas.microsoft.com/office/drawing/2014/main" id="{6D0B6619-3072-44EE-9E7E-64A9D2968B21}"/>
+              </a:ext>
+            </a:extLst>
+          </p:cNvPr>
+          <p:cNvSpPr>
+            <a:spLocks noGrp="1"/>
+          </p:cNvSpPr>
+          <p:nvPr>
+            <p:ph type="sldNum" sz="quarter" idx="12"/>
+          </p:nvPr>
+        </p:nvSpPr>
+        <p:spPr/>
+        <p:txBody>
+          <a:bodyPr/>
+          <a:lstStyle/>
+          <a:p>
+            <a:fld id="{929262FE-7F58-4A1E-8AF3-5A510A86DEBD}" type="slidenum">
+              <a:rPr lang="en-US" smtClean="0"/>
+              <a:t>9</a:t>
+            </a:fld>
+            <a:endParaRPr lang="en-US" dirty="0"/>
+          </a:p>
+        </p:txBody>
+      </p:sp>
+      <p:cxnSp>
+        <p:nvCxnSpPr>
+          <p:cNvPr id="5" name="Straight Arrow Connector 4">
+            <a:extLst>
+              <a:ext uri="{FF2B5EF4-FFF2-40B4-BE49-F238E27FC236}">
+                <a16:creationId xmlns:a16="http://schemas.microsoft.com/office/drawing/2014/main" id="{F1921454-7CB4-4FAA-A1E9-FC56DF3FA482}"/>
+              </a:ext>
+            </a:extLst>
+          </p:cNvPr>
+          <p:cNvCxnSpPr>
+            <a:cxnSpLocks/>
+          </p:cNvCxnSpPr>
+          <p:nvPr/>
+        </p:nvCxnSpPr>
+        <p:spPr>
+          <a:xfrm flipV="1">
+            <a:off x="3743218" y="3893152"/>
+            <a:ext cx="0" cy="1659345"/>
+          </a:xfrm>
+          <a:prstGeom prst="straightConnector1">
+            <a:avLst/>
+          </a:prstGeom>
+          <a:ln>
+            <a:tailEnd type="arrow"/>
+          </a:ln>
+        </p:spPr>
+        <p:style>
+          <a:lnRef idx="2">
+            <a:schemeClr val="dk1"/>
+          </a:lnRef>
+          <a:fillRef idx="0">
+            <a:schemeClr val="dk1"/>
+          </a:fillRef>
+          <a:effectRef idx="1">
+            <a:schemeClr val="dk1"/>
+          </a:effectRef>
+          <a:fontRef idx="minor">
+            <a:schemeClr val="tx1"/>
+          </a:fontRef>
+        </p:style>
+      </p:cxnSp>
+      <p:cxnSp>
+        <p:nvCxnSpPr>
+          <p:cNvPr id="6" name="Straight Arrow Connector 5">
+            <a:extLst>
+              <a:ext uri="{FF2B5EF4-FFF2-40B4-BE49-F238E27FC236}">
+                <a16:creationId xmlns:a16="http://schemas.microsoft.com/office/drawing/2014/main" id="{1542914B-92AF-43C7-BBD6-B076C6962CBB}"/>
+              </a:ext>
+            </a:extLst>
+          </p:cNvPr>
+          <p:cNvCxnSpPr/>
+          <p:nvPr/>
+        </p:nvCxnSpPr>
+        <p:spPr>
+          <a:xfrm>
+            <a:off x="3743218" y="5541611"/>
+            <a:ext cx="3276600" cy="0"/>
+          </a:xfrm>
+          <a:prstGeom prst="straightConnector1">
+            <a:avLst/>
+          </a:prstGeom>
+          <a:ln>
+            <a:tailEnd type="arrow"/>
+          </a:ln>
+        </p:spPr>
+        <p:style>
+          <a:lnRef idx="2">
+            <a:schemeClr val="dk1"/>
+          </a:lnRef>
+          <a:fillRef idx="0">
+            <a:schemeClr val="dk1"/>
+          </a:fillRef>
+          <a:effectRef idx="1">
+            <a:schemeClr val="dk1"/>
+          </a:effectRef>
+          <a:fontRef idx="minor">
+            <a:schemeClr val="tx1"/>
+          </a:fontRef>
+        </p:style>
+      </p:cxnSp>
+      <p:sp>
+        <p:nvSpPr>
+          <p:cNvPr id="7" name="TextBox 6">
+            <a:extLst>
+              <a:ext uri="{FF2B5EF4-FFF2-40B4-BE49-F238E27FC236}">
+                <a16:creationId xmlns:a16="http://schemas.microsoft.com/office/drawing/2014/main" id="{AF74FBE8-DFE7-46A9-A25A-DC7A35F3F66A}"/>
+              </a:ext>
+            </a:extLst>
+          </p:cNvPr>
+          <p:cNvSpPr txBox="1"/>
+          <p:nvPr/>
+        </p:nvSpPr>
+        <p:spPr>
+          <a:xfrm>
+            <a:off x="7086156" y="5356945"/>
+            <a:ext cx="284052" cy="369332"/>
+          </a:xfrm>
+          <a:prstGeom prst="rect">
+            <a:avLst/>
+          </a:prstGeom>
+          <a:noFill/>
+        </p:spPr>
+        <p:txBody>
+          <a:bodyPr wrap="none" rtlCol="0">
+            <a:spAutoFit/>
+          </a:bodyPr>
+          <a:lstStyle/>
+          <a:p>
+            <a:pPr marL="0" marR="0" lvl="0" indent="0" algn="l" defTabSz="914400" rtl="0" eaLnBrk="1" fontAlgn="auto" latinLnBrk="0" hangingPunct="1">
+              <a:lnSpc>
+                <a:spcPct val="100000"/>
+              </a:lnSpc>
+              <a:spcBef>
+                <a:spcPts val="0"/>
+              </a:spcBef>
+              <a:spcAft>
+                <a:spcPts val="0"/>
+              </a:spcAft>
+              <a:buClrTx/>
+              <a:buSzTx/>
+              <a:buFontTx/>
+              <a:buNone/>
+              <a:tabLst/>
+              <a:defRPr/>
+            </a:pPr>
+            <a:r>
+              <a:rPr kumimoji="0" lang="en-US" sz="1800" b="0" i="0" u="none" strike="noStrike" kern="1200" cap="none" spc="0" normalizeH="0" baseline="0" noProof="0" dirty="0">
+                <a:ln>
+                  <a:noFill/>
+                </a:ln>
+                <a:solidFill>
+                  <a:prstClr val="black"/>
+                </a:solidFill>
+                <a:effectLst/>
+                <a:uLnTx/>
+                <a:uFillTx/>
+                <a:latin typeface="Calibri"/>
+                <a:ea typeface="+mn-ea"/>
+                <a:cs typeface="+mn-cs"/>
+              </a:rPr>
+              <a:t>x</a:t>
+            </a:r>
+          </a:p>
+        </p:txBody>
+      </p:sp>
+      <p:sp>
+        <p:nvSpPr>
+          <p:cNvPr id="8" name="TextBox 7">
+            <a:extLst>
+              <a:ext uri="{FF2B5EF4-FFF2-40B4-BE49-F238E27FC236}">
+                <a16:creationId xmlns:a16="http://schemas.microsoft.com/office/drawing/2014/main" id="{63034CBB-1435-4539-A7AB-08693DED0A38}"/>
+              </a:ext>
+            </a:extLst>
+          </p:cNvPr>
+          <p:cNvSpPr txBox="1"/>
+          <p:nvPr/>
+        </p:nvSpPr>
+        <p:spPr>
+          <a:xfrm>
+            <a:off x="3598787" y="3399868"/>
+            <a:ext cx="288862" cy="369332"/>
+          </a:xfrm>
+          <a:prstGeom prst="rect">
+            <a:avLst/>
+          </a:prstGeom>
+          <a:noFill/>
+        </p:spPr>
+        <p:txBody>
+          <a:bodyPr wrap="none" rtlCol="0">
+            <a:spAutoFit/>
+          </a:bodyPr>
+          <a:lstStyle/>
+          <a:p>
+            <a:pPr marL="0" marR="0" lvl="0" indent="0" algn="l" defTabSz="914400" rtl="0" eaLnBrk="1" fontAlgn="auto" latinLnBrk="0" hangingPunct="1">
+              <a:lnSpc>
+                <a:spcPct val="100000"/>
+              </a:lnSpc>
+              <a:spcBef>
+                <a:spcPts val="0"/>
+              </a:spcBef>
+              <a:spcAft>
+                <a:spcPts val="0"/>
+              </a:spcAft>
+              <a:buClrTx/>
+              <a:buSzTx/>
+              <a:buFontTx/>
+              <a:buNone/>
+              <a:tabLst/>
+              <a:defRPr/>
+            </a:pPr>
+            <a:r>
+              <a:rPr kumimoji="0" lang="en-US" sz="1800" b="0" i="0" u="none" strike="noStrike" kern="1200" cap="none" spc="0" normalizeH="0" baseline="0" noProof="0" dirty="0">
+                <a:ln>
+                  <a:noFill/>
+                </a:ln>
+                <a:solidFill>
+                  <a:prstClr val="black"/>
+                </a:solidFill>
+                <a:effectLst/>
+                <a:uLnTx/>
+                <a:uFillTx/>
+                <a:latin typeface="Calibri"/>
+                <a:ea typeface="+mn-ea"/>
+                <a:cs typeface="+mn-cs"/>
+              </a:rPr>
+              <a:t>y</a:t>
+            </a:r>
+          </a:p>
+        </p:txBody>
+      </p:sp>
+      <p:cxnSp>
+        <p:nvCxnSpPr>
+          <p:cNvPr id="9" name="Straight Arrow Connector 8">
+            <a:extLst>
+              <a:ext uri="{FF2B5EF4-FFF2-40B4-BE49-F238E27FC236}">
+                <a16:creationId xmlns:a16="http://schemas.microsoft.com/office/drawing/2014/main" id="{7D614B80-84B4-4A55-8E1F-E74370CDD2FD}"/>
+              </a:ext>
+            </a:extLst>
+          </p:cNvPr>
+          <p:cNvCxnSpPr/>
+          <p:nvPr/>
+        </p:nvCxnSpPr>
+        <p:spPr>
+          <a:xfrm flipH="1">
+            <a:off x="2450223" y="5541612"/>
+            <a:ext cx="1295400" cy="870857"/>
+          </a:xfrm>
+          <a:prstGeom prst="straightConnector1">
+            <a:avLst/>
+          </a:prstGeom>
+          <a:ln>
+            <a:tailEnd type="arrow"/>
+          </a:ln>
+        </p:spPr>
+        <p:style>
+          <a:lnRef idx="2">
+            <a:schemeClr val="dk1"/>
+          </a:lnRef>
+          <a:fillRef idx="0">
+            <a:schemeClr val="dk1"/>
+          </a:fillRef>
+          <a:effectRef idx="1">
+            <a:schemeClr val="dk1"/>
+          </a:effectRef>
+          <a:fontRef idx="minor">
+            <a:schemeClr val="tx1"/>
+          </a:fontRef>
+        </p:style>
+      </p:cxnSp>
+      <p:sp>
+        <p:nvSpPr>
+          <p:cNvPr id="10" name="TextBox 9">
+            <a:extLst>
+              <a:ext uri="{FF2B5EF4-FFF2-40B4-BE49-F238E27FC236}">
+                <a16:creationId xmlns:a16="http://schemas.microsoft.com/office/drawing/2014/main" id="{3F2BAC18-05B1-4360-92B7-BA49BE49CB95}"/>
+              </a:ext>
+            </a:extLst>
+          </p:cNvPr>
+          <p:cNvSpPr txBox="1"/>
+          <p:nvPr/>
+        </p:nvSpPr>
+        <p:spPr>
+          <a:xfrm>
+            <a:off x="2166171" y="6336268"/>
+            <a:ext cx="276038" cy="369332"/>
+          </a:xfrm>
+          <a:prstGeom prst="rect">
+            <a:avLst/>
+          </a:prstGeom>
+          <a:noFill/>
+        </p:spPr>
+        <p:txBody>
+          <a:bodyPr wrap="none" rtlCol="0">
+            <a:spAutoFit/>
+          </a:bodyPr>
+          <a:lstStyle/>
+          <a:p>
+            <a:pPr marL="0" marR="0" lvl="0" indent="0" algn="l" defTabSz="914400" rtl="0" eaLnBrk="1" fontAlgn="auto" latinLnBrk="0" hangingPunct="1">
+              <a:lnSpc>
+                <a:spcPct val="100000"/>
+              </a:lnSpc>
+              <a:spcBef>
+                <a:spcPts val="0"/>
+              </a:spcBef>
+              <a:spcAft>
+                <a:spcPts val="0"/>
+              </a:spcAft>
+              <a:buClrTx/>
+              <a:buSzTx/>
+              <a:buFontTx/>
+              <a:buNone/>
+              <a:tabLst/>
+              <a:defRPr/>
+            </a:pPr>
+            <a:r>
+              <a:rPr kumimoji="0" lang="en-US" sz="1800" b="0" i="0" u="none" strike="noStrike" kern="1200" cap="none" spc="0" normalizeH="0" baseline="0" noProof="0" dirty="0">
+                <a:ln>
+                  <a:noFill/>
+                </a:ln>
+                <a:solidFill>
+                  <a:prstClr val="black"/>
+                </a:solidFill>
+                <a:effectLst/>
+                <a:uLnTx/>
+                <a:uFillTx/>
+                <a:latin typeface="Calibri"/>
+                <a:ea typeface="+mn-ea"/>
+                <a:cs typeface="+mn-cs"/>
+              </a:rPr>
+              <a:t>z</a:t>
+            </a:r>
+          </a:p>
+        </p:txBody>
+      </p:sp>
+      <p:sp>
+        <p:nvSpPr>
+          <p:cNvPr id="11" name="TextBox 10">
+            <a:extLst>
+              <a:ext uri="{FF2B5EF4-FFF2-40B4-BE49-F238E27FC236}">
+                <a16:creationId xmlns:a16="http://schemas.microsoft.com/office/drawing/2014/main" id="{25398481-D1D9-4FE2-BFC8-2F84B8A38F6D}"/>
+              </a:ext>
+            </a:extLst>
+          </p:cNvPr>
+          <p:cNvSpPr txBox="1"/>
+          <p:nvPr/>
+        </p:nvSpPr>
+        <p:spPr>
+          <a:xfrm>
+            <a:off x="3812511" y="4516727"/>
+            <a:ext cx="1178977" cy="369332"/>
+          </a:xfrm>
+          <a:prstGeom prst="rect">
+            <a:avLst/>
+          </a:prstGeom>
+          <a:noFill/>
+        </p:spPr>
+        <p:txBody>
+          <a:bodyPr wrap="none" rtlCol="0">
+            <a:spAutoFit/>
+          </a:bodyPr>
+          <a:lstStyle/>
+          <a:p>
+            <a:pPr marL="0" marR="0" lvl="0" indent="0" algn="l" defTabSz="914400" rtl="0" eaLnBrk="1" fontAlgn="auto" latinLnBrk="0" hangingPunct="1">
+              <a:lnSpc>
+                <a:spcPct val="100000"/>
+              </a:lnSpc>
+              <a:spcBef>
+                <a:spcPts val="0"/>
+              </a:spcBef>
+              <a:spcAft>
+                <a:spcPts val="0"/>
+              </a:spcAft>
+              <a:buClrTx/>
+              <a:buSzTx/>
+              <a:buFontTx/>
+              <a:buNone/>
+              <a:tabLst/>
+              <a:defRPr/>
+            </a:pPr>
+            <a:r>
+              <a:rPr lang="en-US" dirty="0">
+                <a:solidFill>
+                  <a:srgbClr val="FF0000"/>
+                </a:solidFill>
+                <a:latin typeface="Calibri"/>
+              </a:rPr>
+              <a:t>F = 100 lbs</a:t>
+            </a:r>
+            <a:endParaRPr kumimoji="0" lang="en-US" sz="1800" b="0" i="0" u="none" strike="noStrike" kern="1200" cap="none" spc="0" normalizeH="0" baseline="0" noProof="0" dirty="0">
+              <a:ln>
+                <a:noFill/>
+              </a:ln>
+              <a:solidFill>
+                <a:srgbClr val="FF0000"/>
+              </a:solidFill>
+              <a:effectLst/>
+              <a:uLnTx/>
+              <a:uFillTx/>
+              <a:latin typeface="Calibri"/>
+              <a:ea typeface="+mn-ea"/>
+              <a:cs typeface="+mn-cs"/>
+            </a:endParaRPr>
+          </a:p>
+        </p:txBody>
+      </p:sp>
+      <p:cxnSp>
+        <p:nvCxnSpPr>
+          <p:cNvPr id="12" name="Straight Connector 11">
+            <a:extLst>
+              <a:ext uri="{FF2B5EF4-FFF2-40B4-BE49-F238E27FC236}">
+                <a16:creationId xmlns:a16="http://schemas.microsoft.com/office/drawing/2014/main" id="{2D11E1B4-0294-47BA-82B7-C757773A33FD}"/>
+              </a:ext>
+            </a:extLst>
+          </p:cNvPr>
+          <p:cNvCxnSpPr/>
+          <p:nvPr/>
+        </p:nvCxnSpPr>
+        <p:spPr>
+          <a:xfrm>
+            <a:off x="2819400" y="6177874"/>
+            <a:ext cx="2047982" cy="0"/>
+          </a:xfrm>
+          <a:prstGeom prst="line">
+            <a:avLst/>
+          </a:prstGeom>
+          <a:ln w="9525" cap="flat" cmpd="sng" algn="ctr">
+            <a:solidFill>
+              <a:schemeClr val="accent1"/>
+            </a:solidFill>
+            <a:prstDash val="lgDash"/>
+            <a:round/>
+            <a:headEnd type="none" w="med" len="med"/>
+            <a:tailEnd type="none" w="med" len="med"/>
+          </a:ln>
+        </p:spPr>
+        <p:style>
+          <a:lnRef idx="0">
+            <a:scrgbClr r="0" g="0" b="0"/>
+          </a:lnRef>
+          <a:fillRef idx="0">
+            <a:scrgbClr r="0" g="0" b="0"/>
+          </a:fillRef>
+          <a:effectRef idx="0">
+            <a:scrgbClr r="0" g="0" b="0"/>
+          </a:effectRef>
+          <a:fontRef idx="minor">
+            <a:schemeClr val="tx1"/>
+          </a:fontRef>
+        </p:style>
+      </p:cxnSp>
+      <p:cxnSp>
+        <p:nvCxnSpPr>
+          <p:cNvPr id="13" name="Straight Connector 12">
+            <a:extLst>
+              <a:ext uri="{FF2B5EF4-FFF2-40B4-BE49-F238E27FC236}">
+                <a16:creationId xmlns:a16="http://schemas.microsoft.com/office/drawing/2014/main" id="{EE6EE112-BAA0-4BC0-BFA7-26398377E5DA}"/>
+              </a:ext>
+            </a:extLst>
+          </p:cNvPr>
+          <p:cNvCxnSpPr>
+            <a:cxnSpLocks/>
+          </p:cNvCxnSpPr>
+          <p:nvPr/>
+        </p:nvCxnSpPr>
+        <p:spPr>
+          <a:xfrm flipV="1">
+            <a:off x="4897036" y="5552497"/>
+            <a:ext cx="912466" cy="625377"/>
+          </a:xfrm>
+          <a:prstGeom prst="line">
+            <a:avLst/>
+          </a:prstGeom>
+          <a:ln w="9525" cap="flat" cmpd="sng" algn="ctr">
+            <a:solidFill>
+              <a:schemeClr val="accent1"/>
+            </a:solidFill>
+            <a:prstDash val="lgDash"/>
+            <a:round/>
+            <a:headEnd type="none" w="med" len="med"/>
+            <a:tailEnd type="none" w="med" len="med"/>
+          </a:ln>
+        </p:spPr>
+        <p:style>
+          <a:lnRef idx="0">
+            <a:scrgbClr r="0" g="0" b="0"/>
+          </a:lnRef>
+          <a:fillRef idx="0">
+            <a:scrgbClr r="0" g="0" b="0"/>
+          </a:fillRef>
+          <a:effectRef idx="0">
+            <a:scrgbClr r="0" g="0" b="0"/>
+          </a:effectRef>
+          <a:fontRef idx="minor">
+            <a:schemeClr val="tx1"/>
+          </a:fontRef>
+        </p:style>
+      </p:cxnSp>
+      <p:cxnSp>
+        <p:nvCxnSpPr>
+          <p:cNvPr id="14" name="Straight Connector 13">
+            <a:extLst>
+              <a:ext uri="{FF2B5EF4-FFF2-40B4-BE49-F238E27FC236}">
+                <a16:creationId xmlns:a16="http://schemas.microsoft.com/office/drawing/2014/main" id="{0EEA7138-8726-49E1-84AD-00CCF3CABE90}"/>
+              </a:ext>
+            </a:extLst>
+          </p:cNvPr>
+          <p:cNvCxnSpPr>
+            <a:cxnSpLocks/>
+          </p:cNvCxnSpPr>
+          <p:nvPr/>
+        </p:nvCxnSpPr>
+        <p:spPr>
+          <a:xfrm flipV="1">
+            <a:off x="4896814" y="4891999"/>
+            <a:ext cx="0" cy="1284635"/>
+          </a:xfrm>
+          <a:prstGeom prst="line">
+            <a:avLst/>
+          </a:prstGeom>
+          <a:ln w="9525" cap="flat" cmpd="sng" algn="ctr">
+            <a:solidFill>
+              <a:schemeClr val="accent1"/>
+            </a:solidFill>
+            <a:prstDash val="lgDash"/>
+            <a:round/>
+            <a:headEnd type="none" w="med" len="med"/>
+            <a:tailEnd type="none" w="med" len="med"/>
+          </a:ln>
+        </p:spPr>
+        <p:style>
+          <a:lnRef idx="0">
+            <a:scrgbClr r="0" g="0" b="0"/>
+          </a:lnRef>
+          <a:fillRef idx="0">
+            <a:scrgbClr r="0" g="0" b="0"/>
+          </a:fillRef>
+          <a:effectRef idx="0">
+            <a:scrgbClr r="0" g="0" b="0"/>
+          </a:effectRef>
+          <a:fontRef idx="minor">
+            <a:schemeClr val="tx1"/>
+          </a:fontRef>
+        </p:style>
+      </p:cxnSp>
+      <p:cxnSp>
+        <p:nvCxnSpPr>
+          <p:cNvPr id="16" name="Straight Connector 15">
+            <a:extLst>
+              <a:ext uri="{FF2B5EF4-FFF2-40B4-BE49-F238E27FC236}">
+                <a16:creationId xmlns:a16="http://schemas.microsoft.com/office/drawing/2014/main" id="{0A157A10-3501-4D85-8674-A03B537C30F4}"/>
+              </a:ext>
+            </a:extLst>
+          </p:cNvPr>
+          <p:cNvCxnSpPr/>
+          <p:nvPr/>
+        </p:nvCxnSpPr>
+        <p:spPr>
+          <a:xfrm>
+            <a:off x="2807415" y="4864598"/>
+            <a:ext cx="2047982" cy="0"/>
+          </a:xfrm>
+          <a:prstGeom prst="line">
+            <a:avLst/>
+          </a:prstGeom>
+          <a:ln w="9525" cap="flat" cmpd="sng" algn="ctr">
+            <a:solidFill>
+              <a:schemeClr val="accent1"/>
+            </a:solidFill>
+            <a:prstDash val="lgDash"/>
+            <a:round/>
+            <a:headEnd type="none" w="med" len="med"/>
+            <a:tailEnd type="none" w="med" len="med"/>
+          </a:ln>
+        </p:spPr>
+        <p:style>
+          <a:lnRef idx="0">
+            <a:scrgbClr r="0" g="0" b="0"/>
+          </a:lnRef>
+          <a:fillRef idx="0">
+            <a:scrgbClr r="0" g="0" b="0"/>
+          </a:fillRef>
+          <a:effectRef idx="0">
+            <a:scrgbClr r="0" g="0" b="0"/>
+          </a:effectRef>
+          <a:fontRef idx="minor">
+            <a:schemeClr val="tx1"/>
+          </a:fontRef>
+        </p:style>
+      </p:cxnSp>
+      <p:cxnSp>
+        <p:nvCxnSpPr>
+          <p:cNvPr id="17" name="Straight Connector 16">
+            <a:extLst>
+              <a:ext uri="{FF2B5EF4-FFF2-40B4-BE49-F238E27FC236}">
+                <a16:creationId xmlns:a16="http://schemas.microsoft.com/office/drawing/2014/main" id="{DCD10E81-CCC0-47DE-967D-07E742766ABF}"/>
+              </a:ext>
+            </a:extLst>
+          </p:cNvPr>
+          <p:cNvCxnSpPr>
+            <a:cxnSpLocks/>
+          </p:cNvCxnSpPr>
+          <p:nvPr/>
+        </p:nvCxnSpPr>
+        <p:spPr>
+          <a:xfrm flipV="1">
+            <a:off x="4885051" y="4239221"/>
+            <a:ext cx="912466" cy="625377"/>
+          </a:xfrm>
+          <a:prstGeom prst="line">
+            <a:avLst/>
+          </a:prstGeom>
+          <a:ln w="9525" cap="flat" cmpd="sng" algn="ctr">
+            <a:solidFill>
+              <a:schemeClr val="accent1"/>
+            </a:solidFill>
+            <a:prstDash val="lgDash"/>
+            <a:round/>
+            <a:headEnd type="none" w="med" len="med"/>
+            <a:tailEnd type="none" w="med" len="med"/>
+          </a:ln>
+        </p:spPr>
+        <p:style>
+          <a:lnRef idx="0">
+            <a:scrgbClr r="0" g="0" b="0"/>
+          </a:lnRef>
+          <a:fillRef idx="0">
+            <a:scrgbClr r="0" g="0" b="0"/>
+          </a:fillRef>
+          <a:effectRef idx="0">
+            <a:scrgbClr r="0" g="0" b="0"/>
+          </a:effectRef>
+          <a:fontRef idx="minor">
+            <a:schemeClr val="tx1"/>
+          </a:fontRef>
+        </p:style>
+      </p:cxnSp>
+      <p:cxnSp>
+        <p:nvCxnSpPr>
+          <p:cNvPr id="18" name="Straight Connector 17">
+            <a:extLst>
+              <a:ext uri="{FF2B5EF4-FFF2-40B4-BE49-F238E27FC236}">
+                <a16:creationId xmlns:a16="http://schemas.microsoft.com/office/drawing/2014/main" id="{94B242D3-8946-4075-960C-51451F505978}"/>
+              </a:ext>
+            </a:extLst>
+          </p:cNvPr>
+          <p:cNvCxnSpPr>
+            <a:cxnSpLocks/>
+          </p:cNvCxnSpPr>
+          <p:nvPr/>
+        </p:nvCxnSpPr>
+        <p:spPr>
+          <a:xfrm flipV="1">
+            <a:off x="5809502" y="4244852"/>
+            <a:ext cx="0" cy="1284635"/>
+          </a:xfrm>
+          <a:prstGeom prst="line">
+            <a:avLst/>
+          </a:prstGeom>
+          <a:ln w="9525" cap="flat" cmpd="sng" algn="ctr">
+            <a:solidFill>
+              <a:schemeClr val="accent1"/>
+            </a:solidFill>
+            <a:prstDash val="lgDash"/>
+            <a:round/>
+            <a:headEnd type="none" w="med" len="med"/>
+            <a:tailEnd type="none" w="med" len="med"/>
+          </a:ln>
+        </p:spPr>
+        <p:style>
+          <a:lnRef idx="0">
+            <a:scrgbClr r="0" g="0" b="0"/>
+          </a:lnRef>
+          <a:fillRef idx="0">
+            <a:scrgbClr r="0" g="0" b="0"/>
+          </a:fillRef>
+          <a:effectRef idx="0">
+            <a:scrgbClr r="0" g="0" b="0"/>
+          </a:effectRef>
+          <a:fontRef idx="minor">
+            <a:schemeClr val="tx1"/>
+          </a:fontRef>
+        </p:style>
+      </p:cxnSp>
+      <p:cxnSp>
+        <p:nvCxnSpPr>
+          <p:cNvPr id="19" name="Straight Connector 18">
+            <a:extLst>
+              <a:ext uri="{FF2B5EF4-FFF2-40B4-BE49-F238E27FC236}">
+                <a16:creationId xmlns:a16="http://schemas.microsoft.com/office/drawing/2014/main" id="{01C0ECE5-4DD5-4F1A-806C-FBEC68B87485}"/>
+              </a:ext>
+            </a:extLst>
+          </p:cNvPr>
+          <p:cNvCxnSpPr>
+            <a:cxnSpLocks/>
+          </p:cNvCxnSpPr>
+          <p:nvPr/>
+        </p:nvCxnSpPr>
+        <p:spPr>
+          <a:xfrm flipV="1">
+            <a:off x="2806025" y="4891999"/>
+            <a:ext cx="0" cy="1284635"/>
+          </a:xfrm>
+          <a:prstGeom prst="line">
+            <a:avLst/>
+          </a:prstGeom>
+          <a:ln w="9525" cap="flat" cmpd="sng" algn="ctr">
+            <a:solidFill>
+              <a:schemeClr val="accent1"/>
+            </a:solidFill>
+            <a:prstDash val="lgDash"/>
+            <a:round/>
+            <a:headEnd type="none" w="med" len="med"/>
+            <a:tailEnd type="none" w="med" len="med"/>
+          </a:ln>
+        </p:spPr>
+        <p:style>
+          <a:lnRef idx="0">
+            <a:scrgbClr r="0" g="0" b="0"/>
+          </a:lnRef>
+          <a:fillRef idx="0">
+            <a:scrgbClr r="0" g="0" b="0"/>
+          </a:fillRef>
+          <a:effectRef idx="0">
+            <a:scrgbClr r="0" g="0" b="0"/>
+          </a:effectRef>
+          <a:fontRef idx="minor">
+            <a:schemeClr val="tx1"/>
+          </a:fontRef>
+        </p:style>
+      </p:cxnSp>
+      <p:cxnSp>
+        <p:nvCxnSpPr>
+          <p:cNvPr id="20" name="Straight Arrow Connector 19">
+            <a:extLst>
+              <a:ext uri="{FF2B5EF4-FFF2-40B4-BE49-F238E27FC236}">
+                <a16:creationId xmlns:a16="http://schemas.microsoft.com/office/drawing/2014/main" id="{E49208DF-3369-4FB0-98AD-BD4111159174}"/>
+              </a:ext>
+            </a:extLst>
+          </p:cNvPr>
+          <p:cNvCxnSpPr>
+            <a:cxnSpLocks/>
+          </p:cNvCxnSpPr>
+          <p:nvPr/>
+        </p:nvCxnSpPr>
+        <p:spPr>
+          <a:xfrm flipV="1">
+            <a:off x="3751796" y="4864598"/>
+            <a:ext cx="1156953" cy="689138"/>
+          </a:xfrm>
+          <a:prstGeom prst="straightConnector1">
+            <a:avLst/>
+          </a:prstGeom>
+          <a:ln>
+            <a:solidFill>
+              <a:srgbClr val="FF0000"/>
+            </a:solidFill>
+            <a:tailEnd type="arrow"/>
+          </a:ln>
+        </p:spPr>
+        <p:style>
+          <a:lnRef idx="3">
+            <a:schemeClr val="accent2"/>
+          </a:lnRef>
+          <a:fillRef idx="0">
+            <a:schemeClr val="accent2"/>
+          </a:fillRef>
+          <a:effectRef idx="2">
+            <a:schemeClr val="accent2"/>
+          </a:effectRef>
+          <a:fontRef idx="minor">
+            <a:schemeClr val="tx1"/>
+          </a:fontRef>
+        </p:style>
+      </p:cxnSp>
+      <p:sp>
+        <p:nvSpPr>
+          <p:cNvPr id="21" name="TextBox 20">
+            <a:extLst>
+              <a:ext uri="{FF2B5EF4-FFF2-40B4-BE49-F238E27FC236}">
+                <a16:creationId xmlns:a16="http://schemas.microsoft.com/office/drawing/2014/main" id="{4E486024-8231-444C-93B6-ECF0EC3E144B}"/>
+              </a:ext>
+            </a:extLst>
+          </p:cNvPr>
+          <p:cNvSpPr txBox="1"/>
+          <p:nvPr/>
+        </p:nvSpPr>
+        <p:spPr>
+          <a:xfrm>
+            <a:off x="3400017" y="5228923"/>
+            <a:ext cx="336952" cy="369332"/>
+          </a:xfrm>
+          <a:prstGeom prst="rect">
+            <a:avLst/>
+          </a:prstGeom>
+          <a:noFill/>
+        </p:spPr>
+        <p:txBody>
+          <a:bodyPr wrap="none" rtlCol="0">
+            <a:spAutoFit/>
+          </a:bodyPr>
+          <a:lstStyle/>
+          <a:p>
+            <a:pPr marL="0" marR="0" lvl="0" indent="0" algn="l" defTabSz="914400" rtl="0" eaLnBrk="1" fontAlgn="auto" latinLnBrk="0" hangingPunct="1">
+              <a:lnSpc>
+                <a:spcPct val="100000"/>
+              </a:lnSpc>
+              <a:spcBef>
+                <a:spcPts val="0"/>
+              </a:spcBef>
+              <a:spcAft>
+                <a:spcPts val="0"/>
+              </a:spcAft>
+              <a:buClrTx/>
+              <a:buSzTx/>
+              <a:buFontTx/>
+              <a:buNone/>
+              <a:tabLst/>
+              <a:defRPr/>
+            </a:pPr>
+            <a:r>
+              <a:rPr lang="en-US" dirty="0">
+                <a:solidFill>
+                  <a:prstClr val="black"/>
+                </a:solidFill>
+                <a:latin typeface="Calibri"/>
+              </a:rPr>
+              <a:t>O</a:t>
+            </a:r>
+            <a:endParaRPr kumimoji="0" lang="en-US" sz="1800" b="0" i="0" u="none" strike="noStrike" kern="1200" cap="none" spc="0" normalizeH="0" baseline="0" noProof="0" dirty="0">
+              <a:ln>
+                <a:noFill/>
+              </a:ln>
+              <a:solidFill>
+                <a:prstClr val="black"/>
+              </a:solidFill>
+              <a:effectLst/>
+              <a:uLnTx/>
+              <a:uFillTx/>
+              <a:latin typeface="Calibri"/>
+              <a:ea typeface="+mn-ea"/>
+              <a:cs typeface="+mn-cs"/>
+            </a:endParaRPr>
+          </a:p>
+        </p:txBody>
+      </p:sp>
+      <p:sp>
+        <p:nvSpPr>
+          <p:cNvPr id="22" name="TextBox 21">
+            <a:extLst>
+              <a:ext uri="{FF2B5EF4-FFF2-40B4-BE49-F238E27FC236}">
+                <a16:creationId xmlns:a16="http://schemas.microsoft.com/office/drawing/2014/main" id="{0E4C55C5-9508-4B2C-9FBE-99C599E449B7}"/>
+              </a:ext>
+            </a:extLst>
+          </p:cNvPr>
+          <p:cNvSpPr txBox="1"/>
+          <p:nvPr/>
+        </p:nvSpPr>
+        <p:spPr>
+          <a:xfrm>
+            <a:off x="4962115" y="4721547"/>
+            <a:ext cx="317716" cy="369332"/>
+          </a:xfrm>
+          <a:prstGeom prst="rect">
+            <a:avLst/>
+          </a:prstGeom>
+          <a:noFill/>
+        </p:spPr>
+        <p:txBody>
+          <a:bodyPr wrap="none" rtlCol="0">
+            <a:spAutoFit/>
+          </a:bodyPr>
+          <a:lstStyle/>
+          <a:p>
+            <a:pPr marL="0" marR="0" lvl="0" indent="0" algn="l" defTabSz="914400" rtl="0" eaLnBrk="1" fontAlgn="auto" latinLnBrk="0" hangingPunct="1">
+              <a:lnSpc>
+                <a:spcPct val="100000"/>
+              </a:lnSpc>
+              <a:spcBef>
+                <a:spcPts val="0"/>
+              </a:spcBef>
+              <a:spcAft>
+                <a:spcPts val="0"/>
+              </a:spcAft>
+              <a:buClrTx/>
+              <a:buSzTx/>
+              <a:buFontTx/>
+              <a:buNone/>
+              <a:tabLst/>
+              <a:defRPr/>
+            </a:pPr>
+            <a:r>
+              <a:rPr kumimoji="0" lang="en-US" sz="1800" b="0" i="0" u="none" strike="noStrike" kern="1200" cap="none" spc="0" normalizeH="0" baseline="0" noProof="0" dirty="0">
+                <a:ln>
+                  <a:noFill/>
+                </a:ln>
+                <a:solidFill>
+                  <a:prstClr val="black"/>
+                </a:solidFill>
+                <a:effectLst/>
+                <a:uLnTx/>
+                <a:uFillTx/>
+                <a:latin typeface="Calibri"/>
+                <a:ea typeface="+mn-ea"/>
+                <a:cs typeface="+mn-cs"/>
+              </a:rPr>
+              <a:t>A</a:t>
+            </a:r>
+          </a:p>
+        </p:txBody>
+      </p:sp>
+      <p:sp>
+        <p:nvSpPr>
+          <p:cNvPr id="23" name="TextBox 22">
+            <a:extLst>
+              <a:ext uri="{FF2B5EF4-FFF2-40B4-BE49-F238E27FC236}">
+                <a16:creationId xmlns:a16="http://schemas.microsoft.com/office/drawing/2014/main" id="{064DA993-3E76-4F64-BF6C-5C00E74737A2}"/>
+              </a:ext>
+            </a:extLst>
+          </p:cNvPr>
+          <p:cNvSpPr txBox="1"/>
+          <p:nvPr/>
+        </p:nvSpPr>
+        <p:spPr>
+          <a:xfrm>
+            <a:off x="3620160" y="5992344"/>
+            <a:ext cx="502061" cy="369332"/>
+          </a:xfrm>
+          <a:prstGeom prst="rect">
+            <a:avLst/>
+          </a:prstGeom>
+          <a:solidFill>
+            <a:schemeClr val="bg1"/>
+          </a:solidFill>
+        </p:spPr>
+        <p:txBody>
+          <a:bodyPr wrap="none" rtlCol="0">
+            <a:spAutoFit/>
+          </a:bodyPr>
+          <a:lstStyle/>
+          <a:p>
+            <a:pPr marL="0" marR="0" lvl="0" indent="0" algn="l" defTabSz="914400" rtl="0" eaLnBrk="1" fontAlgn="auto" latinLnBrk="0" hangingPunct="1">
+              <a:lnSpc>
+                <a:spcPct val="100000"/>
+              </a:lnSpc>
+              <a:spcBef>
+                <a:spcPts val="0"/>
+              </a:spcBef>
+              <a:spcAft>
+                <a:spcPts val="0"/>
+              </a:spcAft>
+              <a:buClrTx/>
+              <a:buSzTx/>
+              <a:buFontTx/>
+              <a:buNone/>
+              <a:tabLst/>
+              <a:defRPr/>
+            </a:pPr>
+            <a:r>
+              <a:rPr lang="en-US" dirty="0">
+                <a:solidFill>
+                  <a:srgbClr val="4F81BD"/>
+                </a:solidFill>
+                <a:latin typeface="Calibri"/>
+              </a:rPr>
+              <a:t>6 ft</a:t>
+            </a:r>
+            <a:endParaRPr kumimoji="0" lang="en-US" sz="1800" b="0" i="0" u="none" strike="noStrike" kern="1200" cap="none" spc="0" normalizeH="0" baseline="0" noProof="0" dirty="0">
+              <a:ln>
+                <a:noFill/>
+              </a:ln>
+              <a:solidFill>
+                <a:srgbClr val="4F81BD"/>
+              </a:solidFill>
+              <a:effectLst/>
+              <a:uLnTx/>
+              <a:uFillTx/>
+              <a:latin typeface="Calibri"/>
+              <a:ea typeface="+mn-ea"/>
+              <a:cs typeface="+mn-cs"/>
+            </a:endParaRPr>
+          </a:p>
+        </p:txBody>
+      </p:sp>
+      <p:sp>
+        <p:nvSpPr>
+          <p:cNvPr id="24" name="TextBox 23">
+            <a:extLst>
+              <a:ext uri="{FF2B5EF4-FFF2-40B4-BE49-F238E27FC236}">
+                <a16:creationId xmlns:a16="http://schemas.microsoft.com/office/drawing/2014/main" id="{7D9E8778-4746-44F0-BD6C-9FBEA2826FBB}"/>
+              </a:ext>
+            </a:extLst>
+          </p:cNvPr>
+          <p:cNvSpPr txBox="1"/>
+          <p:nvPr/>
+        </p:nvSpPr>
+        <p:spPr>
+          <a:xfrm>
+            <a:off x="5562293" y="4687443"/>
+            <a:ext cx="502061" cy="369332"/>
+          </a:xfrm>
+          <a:prstGeom prst="rect">
+            <a:avLst/>
+          </a:prstGeom>
+          <a:solidFill>
+            <a:schemeClr val="bg1"/>
+          </a:solidFill>
+        </p:spPr>
+        <p:txBody>
+          <a:bodyPr wrap="none" rtlCol="0">
+            <a:spAutoFit/>
+          </a:bodyPr>
+          <a:lstStyle/>
+          <a:p>
+            <a:pPr marL="0" marR="0" lvl="0" indent="0" algn="l" defTabSz="914400" rtl="0" eaLnBrk="1" fontAlgn="auto" latinLnBrk="0" hangingPunct="1">
+              <a:lnSpc>
+                <a:spcPct val="100000"/>
+              </a:lnSpc>
+              <a:spcBef>
+                <a:spcPts val="0"/>
+              </a:spcBef>
+              <a:spcAft>
+                <a:spcPts val="0"/>
+              </a:spcAft>
+              <a:buClrTx/>
+              <a:buSzTx/>
+              <a:buFontTx/>
+              <a:buNone/>
+              <a:tabLst/>
+              <a:defRPr/>
+            </a:pPr>
+            <a:r>
+              <a:rPr lang="en-US" dirty="0">
+                <a:solidFill>
+                  <a:srgbClr val="4F81BD"/>
+                </a:solidFill>
+                <a:latin typeface="Calibri"/>
+              </a:rPr>
+              <a:t>3 ft</a:t>
+            </a:r>
+            <a:endParaRPr kumimoji="0" lang="en-US" sz="1800" b="0" i="0" u="none" strike="noStrike" kern="1200" cap="none" spc="0" normalizeH="0" baseline="0" noProof="0" dirty="0">
+              <a:ln>
+                <a:noFill/>
+              </a:ln>
+              <a:solidFill>
+                <a:srgbClr val="4F81BD"/>
+              </a:solidFill>
+              <a:effectLst/>
+              <a:uLnTx/>
+              <a:uFillTx/>
+              <a:latin typeface="Calibri"/>
+              <a:ea typeface="+mn-ea"/>
+              <a:cs typeface="+mn-cs"/>
+            </a:endParaRPr>
+          </a:p>
+        </p:txBody>
+      </p:sp>
+      <p:sp>
+        <p:nvSpPr>
+          <p:cNvPr id="25" name="TextBox 24">
+            <a:extLst>
+              <a:ext uri="{FF2B5EF4-FFF2-40B4-BE49-F238E27FC236}">
+                <a16:creationId xmlns:a16="http://schemas.microsoft.com/office/drawing/2014/main" id="{85007815-D865-4671-9AA2-6DC2939DE8C1}"/>
+              </a:ext>
+            </a:extLst>
+          </p:cNvPr>
+          <p:cNvSpPr txBox="1"/>
+          <p:nvPr/>
+        </p:nvSpPr>
+        <p:spPr>
+          <a:xfrm>
+            <a:off x="5102716" y="5690250"/>
+            <a:ext cx="502061" cy="369332"/>
+          </a:xfrm>
+          <a:prstGeom prst="rect">
+            <a:avLst/>
+          </a:prstGeom>
+          <a:solidFill>
+            <a:schemeClr val="bg1"/>
+          </a:solidFill>
+        </p:spPr>
+        <p:txBody>
+          <a:bodyPr wrap="none" rtlCol="0">
+            <a:spAutoFit/>
+          </a:bodyPr>
+          <a:lstStyle/>
+          <a:p>
+            <a:pPr marL="0" marR="0" lvl="0" indent="0" algn="l" defTabSz="914400" rtl="0" eaLnBrk="1" fontAlgn="auto" latinLnBrk="0" hangingPunct="1">
+              <a:lnSpc>
+                <a:spcPct val="100000"/>
+              </a:lnSpc>
+              <a:spcBef>
+                <a:spcPts val="0"/>
+              </a:spcBef>
+              <a:spcAft>
+                <a:spcPts val="0"/>
+              </a:spcAft>
+              <a:buClrTx/>
+              <a:buSzTx/>
+              <a:buFontTx/>
+              <a:buNone/>
+              <a:tabLst/>
+              <a:defRPr/>
+            </a:pPr>
+            <a:r>
+              <a:rPr lang="en-US" dirty="0">
+                <a:solidFill>
+                  <a:srgbClr val="4F81BD"/>
+                </a:solidFill>
+                <a:latin typeface="Calibri"/>
+              </a:rPr>
+              <a:t>4 ft</a:t>
+            </a:r>
+            <a:endParaRPr kumimoji="0" lang="en-US" sz="1800" b="0" i="0" u="none" strike="noStrike" kern="1200" cap="none" spc="0" normalizeH="0" baseline="0" noProof="0" dirty="0">
+              <a:ln>
+                <a:noFill/>
+              </a:ln>
+              <a:solidFill>
+                <a:srgbClr val="4F81BD"/>
+              </a:solidFill>
+              <a:effectLst/>
+              <a:uLnTx/>
+              <a:uFillTx/>
+              <a:latin typeface="Calibri"/>
+              <a:ea typeface="+mn-ea"/>
+              <a:cs typeface="+mn-cs"/>
+            </a:endParaRPr>
+          </a:p>
+        </p:txBody>
+      </p:sp>
+      <p:cxnSp>
+        <p:nvCxnSpPr>
+          <p:cNvPr id="26" name="Straight Connector 25">
+            <a:extLst>
+              <a:ext uri="{FF2B5EF4-FFF2-40B4-BE49-F238E27FC236}">
+                <a16:creationId xmlns:a16="http://schemas.microsoft.com/office/drawing/2014/main" id="{C13387EF-DF16-4CFE-852C-BB4F8A2B8E77}"/>
+              </a:ext>
+            </a:extLst>
+          </p:cNvPr>
+          <p:cNvCxnSpPr/>
+          <p:nvPr/>
+        </p:nvCxnSpPr>
+        <p:spPr>
+          <a:xfrm>
+            <a:off x="3715658" y="4256607"/>
+            <a:ext cx="2047982" cy="0"/>
+          </a:xfrm>
+          <a:prstGeom prst="line">
+            <a:avLst/>
+          </a:prstGeom>
+          <a:ln w="9525" cap="flat" cmpd="sng" algn="ctr">
+            <a:solidFill>
+              <a:schemeClr val="accent1"/>
+            </a:solidFill>
+            <a:prstDash val="lgDash"/>
+            <a:round/>
+            <a:headEnd type="none" w="med" len="med"/>
+            <a:tailEnd type="none" w="med" len="med"/>
+          </a:ln>
+        </p:spPr>
+        <p:style>
+          <a:lnRef idx="0">
+            <a:scrgbClr r="0" g="0" b="0"/>
+          </a:lnRef>
+          <a:fillRef idx="0">
+            <a:scrgbClr r="0" g="0" b="0"/>
+          </a:fillRef>
+          <a:effectRef idx="0">
+            <a:scrgbClr r="0" g="0" b="0"/>
+          </a:effectRef>
+          <a:fontRef idx="minor">
+            <a:schemeClr val="tx1"/>
+          </a:fontRef>
+        </p:style>
+      </p:cxnSp>
+      <p:cxnSp>
+        <p:nvCxnSpPr>
+          <p:cNvPr id="27" name="Straight Connector 26">
+            <a:extLst>
+              <a:ext uri="{FF2B5EF4-FFF2-40B4-BE49-F238E27FC236}">
+                <a16:creationId xmlns:a16="http://schemas.microsoft.com/office/drawing/2014/main" id="{E454C8E7-95A9-4E32-9F2F-CD7971404085}"/>
+              </a:ext>
+            </a:extLst>
+          </p:cNvPr>
+          <p:cNvCxnSpPr>
+            <a:cxnSpLocks/>
+          </p:cNvCxnSpPr>
+          <p:nvPr/>
+        </p:nvCxnSpPr>
+        <p:spPr>
+          <a:xfrm flipV="1">
+            <a:off x="2809933" y="4258929"/>
+            <a:ext cx="912466" cy="625377"/>
+          </a:xfrm>
+          <a:prstGeom prst="line">
+            <a:avLst/>
+          </a:prstGeom>
+          <a:ln w="9525" cap="flat" cmpd="sng" algn="ctr">
+            <a:solidFill>
+              <a:schemeClr val="accent1"/>
+            </a:solidFill>
+            <a:prstDash val="lgDash"/>
+            <a:round/>
+            <a:headEnd type="none" w="med" len="med"/>
+            <a:tailEnd type="none" w="med" len="med"/>
+          </a:ln>
+        </p:spPr>
+        <p:style>
+          <a:lnRef idx="0">
+            <a:scrgbClr r="0" g="0" b="0"/>
+          </a:lnRef>
+          <a:fillRef idx="0">
+            <a:scrgbClr r="0" g="0" b="0"/>
+          </a:fillRef>
+          <a:effectRef idx="0">
+            <a:scrgbClr r="0" g="0" b="0"/>
+          </a:effectRef>
+          <a:fontRef idx="minor">
+            <a:schemeClr val="tx1"/>
+          </a:fontRef>
+        </p:style>
+      </p:cxnSp>
+      <p:cxnSp>
+        <p:nvCxnSpPr>
+          <p:cNvPr id="15" name="Straight Connector 14">
+            <a:extLst>
+              <a:ext uri="{FF2B5EF4-FFF2-40B4-BE49-F238E27FC236}">
+                <a16:creationId xmlns:a16="http://schemas.microsoft.com/office/drawing/2014/main" id="{E3645C7A-5941-4EFF-856C-C26ECE6A87B6}"/>
+              </a:ext>
+            </a:extLst>
+          </p:cNvPr>
+          <p:cNvCxnSpPr>
+            <a:cxnSpLocks/>
+          </p:cNvCxnSpPr>
+          <p:nvPr/>
+        </p:nvCxnSpPr>
+        <p:spPr>
+          <a:xfrm flipV="1">
+            <a:off x="2799813" y="5560190"/>
+            <a:ext cx="3009689" cy="629452"/>
+          </a:xfrm>
+          <a:prstGeom prst="line">
+            <a:avLst/>
+          </a:prstGeom>
+        </p:spPr>
+        <p:style>
+          <a:lnRef idx="1">
+            <a:schemeClr val="dk1"/>
+          </a:lnRef>
+          <a:fillRef idx="0">
+            <a:schemeClr val="dk1"/>
+          </a:fillRef>
+          <a:effectRef idx="0">
+            <a:schemeClr val="dk1"/>
+          </a:effectRef>
+          <a:fontRef idx="minor">
+            <a:schemeClr val="tx1"/>
+          </a:fontRef>
+        </p:style>
+      </p:cxnSp>
+      <p:sp>
+        <p:nvSpPr>
+          <p:cNvPr id="36" name="TextBox 35">
+            <a:extLst>
+              <a:ext uri="{FF2B5EF4-FFF2-40B4-BE49-F238E27FC236}">
+                <a16:creationId xmlns:a16="http://schemas.microsoft.com/office/drawing/2014/main" id="{0C38C85B-C3F1-4276-B4F9-6EAB1402DC3C}"/>
+              </a:ext>
+            </a:extLst>
+          </p:cNvPr>
+          <p:cNvSpPr txBox="1"/>
+          <p:nvPr/>
+        </p:nvSpPr>
+        <p:spPr>
+          <a:xfrm>
+            <a:off x="2501684" y="5867400"/>
+            <a:ext cx="309700" cy="369332"/>
+          </a:xfrm>
+          <a:prstGeom prst="rect">
+            <a:avLst/>
+          </a:prstGeom>
+          <a:noFill/>
+        </p:spPr>
+        <p:txBody>
+          <a:bodyPr wrap="none" rtlCol="0">
+            <a:spAutoFit/>
+          </a:bodyPr>
+          <a:lstStyle/>
+          <a:p>
+            <a:pPr marL="0" marR="0" lvl="0" indent="0" algn="l" defTabSz="914400" rtl="0" eaLnBrk="1" fontAlgn="auto" latinLnBrk="0" hangingPunct="1">
+              <a:lnSpc>
+                <a:spcPct val="100000"/>
+              </a:lnSpc>
+              <a:spcBef>
+                <a:spcPts val="0"/>
+              </a:spcBef>
+              <a:spcAft>
+                <a:spcPts val="0"/>
+              </a:spcAft>
+              <a:buClrTx/>
+              <a:buSzTx/>
+              <a:buFontTx/>
+              <a:buNone/>
+              <a:tabLst/>
+              <a:defRPr/>
+            </a:pPr>
+            <a:r>
+              <a:rPr lang="en-US" dirty="0">
+                <a:solidFill>
+                  <a:prstClr val="black"/>
+                </a:solidFill>
+                <a:latin typeface="Calibri"/>
+              </a:rPr>
+              <a:t>B</a:t>
+            </a:r>
+            <a:endParaRPr kumimoji="0" lang="en-US" sz="1800" b="0" i="0" u="none" strike="noStrike" kern="1200" cap="none" spc="0" normalizeH="0" baseline="0" noProof="0" dirty="0">
+              <a:ln>
+                <a:noFill/>
+              </a:ln>
+              <a:solidFill>
+                <a:prstClr val="black"/>
+              </a:solidFill>
+              <a:effectLst/>
+              <a:uLnTx/>
+              <a:uFillTx/>
+              <a:latin typeface="Calibri"/>
+              <a:ea typeface="+mn-ea"/>
+              <a:cs typeface="+mn-cs"/>
+            </a:endParaRPr>
+          </a:p>
+        </p:txBody>
+      </p:sp>
+      <p:sp>
+        <p:nvSpPr>
+          <p:cNvPr id="37" name="TextBox 36">
+            <a:extLst>
+              <a:ext uri="{FF2B5EF4-FFF2-40B4-BE49-F238E27FC236}">
+                <a16:creationId xmlns:a16="http://schemas.microsoft.com/office/drawing/2014/main" id="{A0EAE03E-84E9-4312-9791-02E14FAD253B}"/>
+              </a:ext>
+            </a:extLst>
+          </p:cNvPr>
+          <p:cNvSpPr txBox="1"/>
+          <p:nvPr/>
+        </p:nvSpPr>
+        <p:spPr>
+          <a:xfrm>
+            <a:off x="5809501" y="5195827"/>
+            <a:ext cx="308098" cy="369332"/>
+          </a:xfrm>
+          <a:prstGeom prst="rect">
+            <a:avLst/>
+          </a:prstGeom>
+          <a:noFill/>
+        </p:spPr>
+        <p:txBody>
+          <a:bodyPr wrap="none" rtlCol="0">
+            <a:spAutoFit/>
+          </a:bodyPr>
+          <a:lstStyle/>
+          <a:p>
+            <a:pPr marL="0" marR="0" lvl="0" indent="0" algn="l" defTabSz="914400" rtl="0" eaLnBrk="1" fontAlgn="auto" latinLnBrk="0" hangingPunct="1">
+              <a:lnSpc>
+                <a:spcPct val="100000"/>
+              </a:lnSpc>
+              <a:spcBef>
+                <a:spcPts val="0"/>
+              </a:spcBef>
+              <a:spcAft>
+                <a:spcPts val="0"/>
+              </a:spcAft>
+              <a:buClrTx/>
+              <a:buSzTx/>
+              <a:buFontTx/>
+              <a:buNone/>
+              <a:tabLst/>
+              <a:defRPr/>
+            </a:pPr>
+            <a:r>
+              <a:rPr lang="en-US" dirty="0">
+                <a:solidFill>
+                  <a:prstClr val="black"/>
+                </a:solidFill>
+                <a:latin typeface="Calibri"/>
+              </a:rPr>
+              <a:t>C</a:t>
+            </a:r>
+            <a:endParaRPr kumimoji="0" lang="en-US" sz="1800" b="0" i="0" u="none" strike="noStrike" kern="1200" cap="none" spc="0" normalizeH="0" baseline="0" noProof="0" dirty="0">
+              <a:ln>
+                <a:noFill/>
+              </a:ln>
+              <a:solidFill>
+                <a:prstClr val="black"/>
+              </a:solidFill>
+              <a:effectLst/>
+              <a:uLnTx/>
+              <a:uFillTx/>
+              <a:latin typeface="Calibri"/>
+              <a:ea typeface="+mn-ea"/>
+              <a:cs typeface="+mn-cs"/>
+            </a:endParaRPr>
+          </a:p>
+        </p:txBody>
+      </p:sp>
+    </p:spTree>
+    <p:extLst>
+      <p:ext uri="{BB962C8B-B14F-4D97-AF65-F5344CB8AC3E}">
+        <p14:creationId xmlns:p14="http://schemas.microsoft.com/office/powerpoint/2010/main" val="1330524523"/>
       </p:ext>
     </p:extLst>
   </p:cSld>
@@ -7933,6 +10264,21 @@
 </file>
 
 <file path=customXml/item1.xml><?xml version="1.0" encoding="utf-8"?>
+<?mso-contentType ?>
+<FormTemplates xmlns="http://schemas.microsoft.com/sharepoint/v3/contenttype/forms">
+  <Display>DocumentLibraryForm</Display>
+  <Edit>DocumentLibraryForm</Edit>
+  <New>DocumentLibraryForm</New>
+</FormTemplates>
+</file>
+
+<file path=customXml/item2.xml><?xml version="1.0" encoding="utf-8"?>
+<p:properties xmlns:p="http://schemas.microsoft.com/office/2006/metadata/properties" xmlns:xsi="http://www.w3.org/2001/XMLSchema-instance" xmlns:pc="http://schemas.microsoft.com/office/infopath/2007/PartnerControls">
+  <documentManagement/>
+</p:properties>
+</file>
+
+<file path=customXml/item3.xml><?xml version="1.0" encoding="utf-8"?>
 <ct:contentTypeSchema xmlns:ct="http://schemas.microsoft.com/office/2006/metadata/contentType" xmlns:ma="http://schemas.microsoft.com/office/2006/metadata/properties/metaAttributes" ct:_="" ma:_="" ma:contentTypeName="Document" ma:contentTypeID="0x010100A06DF21F5BB2734A800ED30F3F452129" ma:contentTypeVersion="12" ma:contentTypeDescription="Create a new document." ma:contentTypeScope="" ma:versionID="544d96a5fbac5de9d5d902b535c73fb2">
   <xsd:schema xmlns:xsd="http://www.w3.org/2001/XMLSchema" xmlns:xs="http://www.w3.org/2001/XMLSchema" xmlns:p="http://schemas.microsoft.com/office/2006/metadata/properties" xmlns:ns3="90d05cb5-950f-4f68-bc2c-e17794455b92" xmlns:ns4="b4eab9fa-dbb0-4082-8491-8bd54207a265" targetNamespace="http://schemas.microsoft.com/office/2006/metadata/properties" ma:root="true" ma:fieldsID="7a710efc71c2169bf9c05e5a40dddf12" ns3:_="" ns4:_="">
     <xsd:import namespace="90d05cb5-950f-4f68-bc2c-e17794455b92"/>
@@ -8149,22 +10495,24 @@
 </ct:contentTypeSchema>
 </file>
 
-<file path=customXml/item2.xml><?xml version="1.0" encoding="utf-8"?>
-<p:properties xmlns:p="http://schemas.microsoft.com/office/2006/metadata/properties" xmlns:xsi="http://www.w3.org/2001/XMLSchema-instance" xmlns:pc="http://schemas.microsoft.com/office/infopath/2007/PartnerControls">
-  <documentManagement/>
-</p:properties>
+<file path=customXml/itemProps1.xml><?xml version="1.0" encoding="utf-8"?>
+<ds:datastoreItem xmlns:ds="http://schemas.openxmlformats.org/officeDocument/2006/customXml" ds:itemID="{F5CF5F32-56DC-4068-8B04-457CF34A96F3}">
+  <ds:schemaRefs>
+    <ds:schemaRef ds:uri="http://schemas.microsoft.com/sharepoint/v3/contenttype/forms"/>
+  </ds:schemaRefs>
+</ds:datastoreItem>
 </file>
 
-<file path=customXml/item3.xml><?xml version="1.0" encoding="utf-8"?>
-<?mso-contentType ?>
-<FormTemplates xmlns="http://schemas.microsoft.com/sharepoint/v3/contenttype/forms">
-  <Display>DocumentLibraryForm</Display>
-  <Edit>DocumentLibraryForm</Edit>
-  <New>DocumentLibraryForm</New>
-</FormTemplates>
+<file path=customXml/itemProps2.xml><?xml version="1.0" encoding="utf-8"?>
+<ds:datastoreItem xmlns:ds="http://schemas.openxmlformats.org/officeDocument/2006/customXml" ds:itemID="{52EB1464-66D1-425A-BBB5-7A9312BBE9C4}">
+  <ds:schemaRefs>
+    <ds:schemaRef ds:uri="http://schemas.microsoft.com/office/2006/metadata/properties"/>
+    <ds:schemaRef ds:uri="http://schemas.microsoft.com/office/infopath/2007/PartnerControls"/>
+  </ds:schemaRefs>
+</ds:datastoreItem>
 </file>
 
-<file path=customXml/itemProps1.xml><?xml version="1.0" encoding="utf-8"?>
+<file path=customXml/itemProps3.xml><?xml version="1.0" encoding="utf-8"?>
 <ds:datastoreItem xmlns:ds="http://schemas.openxmlformats.org/officeDocument/2006/customXml" ds:itemID="{A43B8A4B-79FE-4529-931C-D64224FA70E3}">
   <ds:schemaRefs>
     <ds:schemaRef ds:uri="http://schemas.microsoft.com/office/2006/metadata/contentType"/>
@@ -8181,21 +10529,4 @@
     <ds:schemaRef ds:uri="http://schemas.microsoft.com/internal/obd"/>
   </ds:schemaRefs>
 </ds:datastoreItem>
-</file>
-
-<file path=customXml/itemProps2.xml><?xml version="1.0" encoding="utf-8"?>
-<ds:datastoreItem xmlns:ds="http://schemas.openxmlformats.org/officeDocument/2006/customXml" ds:itemID="{52EB1464-66D1-425A-BBB5-7A9312BBE9C4}">
-  <ds:schemaRefs>
-    <ds:schemaRef ds:uri="http://schemas.microsoft.com/office/2006/metadata/properties"/>
-    <ds:schemaRef ds:uri="http://schemas.microsoft.com/office/infopath/2007/PartnerControls"/>
-  </ds:schemaRefs>
-</ds:datastoreItem>
-</file>
-
-<file path=customXml/itemProps3.xml><?xml version="1.0" encoding="utf-8"?>
-<ds:datastoreItem xmlns:ds="http://schemas.openxmlformats.org/officeDocument/2006/customXml" ds:itemID="{F5CF5F32-56DC-4068-8B04-457CF34A96F3}">
-  <ds:schemaRefs>
-    <ds:schemaRef ds:uri="http://schemas.microsoft.com/sharepoint/v3/contenttype/forms"/>
-  </ds:schemaRefs>
-</ds:datastoreItem>
 </file>